--- a/Présentation DWWM v2.pptx
+++ b/Présentation DWWM v2.pptx
@@ -210,6 +210,95 @@
     </p:ext>
   </p:extLst>
 </p:presentation>
+</file>
+
+<file path=ppt/changesInfos/changesInfo1.xml><?xml version="1.0" encoding="utf-8"?>
+<pc:chgInfo xmlns:a="http://schemas.openxmlformats.org/drawingml/2006/main" xmlns:r="http://schemas.openxmlformats.org/officeDocument/2006/relationships" xmlns:ac="http://schemas.microsoft.com/office/drawing/2013/main/command" xmlns:pc="http://schemas.microsoft.com/office/powerpoint/2013/main/command">
+  <pc:docChgLst>
+    <pc:chgData name="Eric BOSSU" userId="12aef103418c0be1" providerId="LiveId" clId="{5707426F-2387-4D1F-ADE2-5A47056D45FD}"/>
+    <pc:docChg chg="custSel modSld">
+      <pc:chgData name="Eric BOSSU" userId="12aef103418c0be1" providerId="LiveId" clId="{5707426F-2387-4D1F-ADE2-5A47056D45FD}" dt="2021-06-30T10:30:41.371" v="89" actId="20577"/>
+      <pc:docMkLst>
+        <pc:docMk/>
+      </pc:docMkLst>
+      <pc:sldChg chg="modSp mod">
+        <pc:chgData name="Eric BOSSU" userId="12aef103418c0be1" providerId="LiveId" clId="{5707426F-2387-4D1F-ADE2-5A47056D45FD}" dt="2021-06-30T10:27:26.268" v="2" actId="20577"/>
+        <pc:sldMkLst>
+          <pc:docMk/>
+          <pc:sldMk cId="0" sldId="327"/>
+        </pc:sldMkLst>
+        <pc:spChg chg="mod">
+          <ac:chgData name="Eric BOSSU" userId="12aef103418c0be1" providerId="LiveId" clId="{5707426F-2387-4D1F-ADE2-5A47056D45FD}" dt="2021-06-30T10:27:26.268" v="2" actId="20577"/>
+          <ac:spMkLst>
+            <pc:docMk/>
+            <pc:sldMk cId="0" sldId="327"/>
+            <ac:spMk id="59395" creationId="{4FCA44D3-E082-4AAB-85B6-BE6B08784857}"/>
+          </ac:spMkLst>
+        </pc:spChg>
+      </pc:sldChg>
+      <pc:sldChg chg="modSp mod">
+        <pc:chgData name="Eric BOSSU" userId="12aef103418c0be1" providerId="LiveId" clId="{5707426F-2387-4D1F-ADE2-5A47056D45FD}" dt="2021-06-30T10:28:27.552" v="19" actId="20577"/>
+        <pc:sldMkLst>
+          <pc:docMk/>
+          <pc:sldMk cId="0" sldId="328"/>
+        </pc:sldMkLst>
+        <pc:spChg chg="mod">
+          <ac:chgData name="Eric BOSSU" userId="12aef103418c0be1" providerId="LiveId" clId="{5707426F-2387-4D1F-ADE2-5A47056D45FD}" dt="2021-06-30T10:28:27.552" v="19" actId="20577"/>
+          <ac:spMkLst>
+            <pc:docMk/>
+            <pc:sldMk cId="0" sldId="328"/>
+            <ac:spMk id="61443" creationId="{D9EBC681-66F1-4CF9-9890-FB7A7C14D75D}"/>
+          </ac:spMkLst>
+        </pc:spChg>
+      </pc:sldChg>
+      <pc:sldChg chg="modSp mod">
+        <pc:chgData name="Eric BOSSU" userId="12aef103418c0be1" providerId="LiveId" clId="{5707426F-2387-4D1F-ADE2-5A47056D45FD}" dt="2021-06-30T10:29:20.914" v="41" actId="20577"/>
+        <pc:sldMkLst>
+          <pc:docMk/>
+          <pc:sldMk cId="0" sldId="333"/>
+        </pc:sldMkLst>
+        <pc:spChg chg="mod">
+          <ac:chgData name="Eric BOSSU" userId="12aef103418c0be1" providerId="LiveId" clId="{5707426F-2387-4D1F-ADE2-5A47056D45FD}" dt="2021-06-30T10:29:20.914" v="41" actId="20577"/>
+          <ac:spMkLst>
+            <pc:docMk/>
+            <pc:sldMk cId="0" sldId="333"/>
+            <ac:spMk id="4" creationId="{B0AB3EE2-7260-4A1F-AE67-B561F5977C1D}"/>
+          </ac:spMkLst>
+        </pc:spChg>
+      </pc:sldChg>
+      <pc:sldChg chg="modSp mod">
+        <pc:chgData name="Eric BOSSU" userId="12aef103418c0be1" providerId="LiveId" clId="{5707426F-2387-4D1F-ADE2-5A47056D45FD}" dt="2021-06-30T10:29:00.785" v="38" actId="20577"/>
+        <pc:sldMkLst>
+          <pc:docMk/>
+          <pc:sldMk cId="0" sldId="339"/>
+        </pc:sldMkLst>
+        <pc:spChg chg="mod">
+          <ac:chgData name="Eric BOSSU" userId="12aef103418c0be1" providerId="LiveId" clId="{5707426F-2387-4D1F-ADE2-5A47056D45FD}" dt="2021-06-30T10:29:00.785" v="38" actId="20577"/>
+          <ac:spMkLst>
+            <pc:docMk/>
+            <pc:sldMk cId="0" sldId="339"/>
+            <ac:spMk id="4" creationId="{3A4CA4C5-4C6C-4C50-AC3F-E926D51A8435}"/>
+          </ac:spMkLst>
+        </pc:spChg>
+      </pc:sldChg>
+      <pc:sldChg chg="modSp mod">
+        <pc:chgData name="Eric BOSSU" userId="12aef103418c0be1" providerId="LiveId" clId="{5707426F-2387-4D1F-ADE2-5A47056D45FD}" dt="2021-06-30T10:30:41.371" v="89" actId="20577"/>
+        <pc:sldMkLst>
+          <pc:docMk/>
+          <pc:sldMk cId="0" sldId="341"/>
+        </pc:sldMkLst>
+        <pc:spChg chg="mod">
+          <ac:chgData name="Eric BOSSU" userId="12aef103418c0be1" providerId="LiveId" clId="{5707426F-2387-4D1F-ADE2-5A47056D45FD}" dt="2021-06-30T10:30:41.371" v="89" actId="20577"/>
+          <ac:spMkLst>
+            <pc:docMk/>
+            <pc:sldMk cId="0" sldId="341"/>
+            <ac:spMk id="4" creationId="{0E1C2E57-CB21-4611-A488-6143DD2B3E66}"/>
+          </ac:spMkLst>
+        </pc:spChg>
+      </pc:sldChg>
+    </pc:docChg>
+  </pc:docChgLst>
+</pc:chgInfo>
 </file>
 
 <file path=ppt/notesMasters/notesMaster1.xml><?xml version="1.0" encoding="utf-8"?>
@@ -27628,16 +27717,25 @@
           </a:lstStyle>
           <a:p>
             <a:r>
-              <a:rPr lang="fr-FR" altLang="fr-FR" sz="1000">
+              <a:rPr lang="fr-FR" altLang="fr-FR" sz="1000" dirty="0">
                 <a:solidFill>
                   <a:srgbClr val="569CD6"/>
                 </a:solidFill>
                 <a:latin typeface="Consolas" panose="020B0609020204030204" pitchFamily="49" charset="0"/>
               </a:rPr>
-              <a:t>&lt;?php</a:t>
-            </a:r>
-            <a:r>
-              <a:rPr lang="fr-FR" altLang="fr-FR" sz="1000">
+              <a:t>&lt;?</a:t>
+            </a:r>
+            <a:r>
+              <a:rPr lang="fr-FR" altLang="fr-FR" sz="1000" dirty="0" err="1">
+                <a:solidFill>
+                  <a:srgbClr val="569CD6"/>
+                </a:solidFill>
+                <a:latin typeface="Consolas" panose="020B0609020204030204" pitchFamily="49" charset="0"/>
+              </a:rPr>
+              <a:t>php</a:t>
+            </a:r>
+            <a:r>
+              <a:rPr lang="fr-FR" altLang="fr-FR" sz="1000" dirty="0">
                 <a:solidFill>
                   <a:srgbClr val="D4D4D4"/>
                 </a:solidFill>
@@ -27648,7 +27746,7 @@
           </a:p>
           <a:p>
             <a:r>
-              <a:rPr lang="fr-FR" altLang="fr-FR" sz="1000">
+              <a:rPr lang="fr-FR" altLang="fr-FR" sz="1000" dirty="0" err="1">
                 <a:solidFill>
                   <a:srgbClr val="DCDCAA"/>
                 </a:solidFill>
@@ -27657,7 +27755,7 @@
               <a:t>session_start</a:t>
             </a:r>
             <a:r>
-              <a:rPr lang="fr-FR" altLang="fr-FR" sz="1000">
+              <a:rPr lang="fr-FR" altLang="fr-FR" sz="1000" dirty="0">
                 <a:solidFill>
                   <a:srgbClr val="D4D4D4"/>
                 </a:solidFill>
@@ -27668,7 +27766,7 @@
           </a:p>
           <a:p>
             <a:r>
-              <a:rPr lang="fr-FR" altLang="fr-FR" sz="1000">
+              <a:rPr lang="fr-FR" altLang="fr-FR" sz="1000" dirty="0" err="1">
                 <a:solidFill>
                   <a:srgbClr val="DCDCAA"/>
                 </a:solidFill>
@@ -27677,7 +27775,7 @@
               <a:t>include</a:t>
             </a:r>
             <a:r>
-              <a:rPr lang="fr-FR" altLang="fr-FR" sz="1000">
+              <a:rPr lang="fr-FR" altLang="fr-FR" sz="1000" dirty="0">
                 <a:solidFill>
                   <a:srgbClr val="D4D4D4"/>
                 </a:solidFill>
@@ -27686,16 +27784,52 @@
               <a:t>(</a:t>
             </a:r>
             <a:r>
-              <a:rPr lang="fr-FR" altLang="fr-FR" sz="1000">
+              <a:rPr lang="fr-FR" altLang="fr-FR" sz="1000" dirty="0">
                 <a:solidFill>
                   <a:srgbClr val="CE9178"/>
                 </a:solidFill>
                 <a:latin typeface="Consolas" panose="020B0609020204030204" pitchFamily="49" charset="0"/>
               </a:rPr>
-              <a:t>'includes/config.php'</a:t>
-            </a:r>
-            <a:r>
-              <a:rPr lang="fr-FR" altLang="fr-FR" sz="1000">
+              <a:t>'</a:t>
+            </a:r>
+            <a:r>
+              <a:rPr lang="fr-FR" altLang="fr-FR" sz="1000" dirty="0" err="1">
+                <a:solidFill>
+                  <a:srgbClr val="CE9178"/>
+                </a:solidFill>
+                <a:latin typeface="Consolas" panose="020B0609020204030204" pitchFamily="49" charset="0"/>
+              </a:rPr>
+              <a:t>includes</a:t>
+            </a:r>
+            <a:r>
+              <a:rPr lang="fr-FR" altLang="fr-FR" sz="1000" dirty="0">
+                <a:solidFill>
+                  <a:srgbClr val="CE9178"/>
+                </a:solidFill>
+                <a:latin typeface="Consolas" panose="020B0609020204030204" pitchFamily="49" charset="0"/>
+              </a:rPr>
+              <a:t>/</a:t>
+            </a:r>
+            <a:r>
+              <a:rPr lang="fr-FR" altLang="fr-FR" sz="1000" dirty="0" err="1">
+                <a:solidFill>
+                  <a:srgbClr val="CE9178"/>
+                </a:solidFill>
+                <a:latin typeface="Consolas" panose="020B0609020204030204" pitchFamily="49" charset="0"/>
+              </a:rPr>
+              <a:t>config.php</a:t>
+            </a:r>
+            <a:r>
+              <a:rPr lang="fr-FR" altLang="fr-FR" sz="1000" dirty="0">
+                <a:solidFill>
+                  <a:srgbClr val="CE9178"/>
+                </a:solidFill>
+                <a:latin typeface="Consolas" panose="020B0609020204030204" pitchFamily="49" charset="0"/>
+              </a:rPr>
+              <a:t>'</a:t>
+            </a:r>
+            <a:r>
+              <a:rPr lang="fr-FR" altLang="fr-FR" sz="1000" dirty="0">
                 <a:solidFill>
                   <a:srgbClr val="D4D4D4"/>
                 </a:solidFill>
@@ -27706,7 +27840,7 @@
           </a:p>
           <a:p>
             <a:r>
-              <a:rPr lang="fr-FR" altLang="fr-FR" sz="1000">
+              <a:rPr lang="fr-FR" altLang="fr-FR" sz="1000" dirty="0" err="1">
                 <a:solidFill>
                   <a:srgbClr val="DCDCAA"/>
                 </a:solidFill>
@@ -27715,7 +27849,7 @@
               <a:t>error_reporting</a:t>
             </a:r>
             <a:r>
-              <a:rPr lang="fr-FR" altLang="fr-FR" sz="1000">
+              <a:rPr lang="fr-FR" altLang="fr-FR" sz="1000" dirty="0">
                 <a:solidFill>
                   <a:srgbClr val="D4D4D4"/>
                 </a:solidFill>
@@ -27724,7 +27858,7 @@
               <a:t>(</a:t>
             </a:r>
             <a:r>
-              <a:rPr lang="fr-FR" altLang="fr-FR" sz="1000">
+              <a:rPr lang="fr-FR" altLang="fr-FR" sz="1000" dirty="0">
                 <a:solidFill>
                   <a:srgbClr val="B5CEA8"/>
                 </a:solidFill>
@@ -27733,7 +27867,7 @@
               <a:t>0</a:t>
             </a:r>
             <a:r>
-              <a:rPr lang="fr-FR" altLang="fr-FR" sz="1000">
+              <a:rPr lang="fr-FR" altLang="fr-FR" sz="1000" dirty="0">
                 <a:solidFill>
                   <a:srgbClr val="D4D4D4"/>
                 </a:solidFill>
@@ -27744,7 +27878,7 @@
           </a:p>
           <a:p>
             <a:r>
-              <a:rPr lang="fr-FR" altLang="fr-FR" sz="1000">
+              <a:rPr lang="fr-FR" altLang="fr-FR" sz="1000" dirty="0">
                 <a:solidFill>
                   <a:srgbClr val="C586C0"/>
                 </a:solidFill>
@@ -27753,7 +27887,7 @@
               <a:t>if</a:t>
             </a:r>
             <a:r>
-              <a:rPr lang="fr-FR" altLang="fr-FR" sz="1000">
+              <a:rPr lang="fr-FR" altLang="fr-FR" sz="1000" dirty="0">
                 <a:solidFill>
                   <a:srgbClr val="D4D4D4"/>
                 </a:solidFill>
@@ -27762,7 +27896,7 @@
               <a:t>(</a:t>
             </a:r>
             <a:r>
-              <a:rPr lang="fr-FR" altLang="fr-FR" sz="1000">
+              <a:rPr lang="fr-FR" altLang="fr-FR" sz="1000" dirty="0" err="1">
                 <a:solidFill>
                   <a:srgbClr val="DCDCAA"/>
                 </a:solidFill>
@@ -27771,7 +27905,7 @@
               <a:t>isset</a:t>
             </a:r>
             <a:r>
-              <a:rPr lang="fr-FR" altLang="fr-FR" sz="1000">
+              <a:rPr lang="fr-FR" altLang="fr-FR" sz="1000" dirty="0">
                 <a:solidFill>
                   <a:srgbClr val="D4D4D4"/>
                 </a:solidFill>
@@ -27780,7 +27914,7 @@
               <a:t>(</a:t>
             </a:r>
             <a:r>
-              <a:rPr lang="fr-FR" altLang="fr-FR" sz="1000">
+              <a:rPr lang="fr-FR" altLang="fr-FR" sz="1000" dirty="0">
                 <a:solidFill>
                   <a:srgbClr val="9CDCFE"/>
                 </a:solidFill>
@@ -27789,7 +27923,7 @@
               <a:t>$_POST</a:t>
             </a:r>
             <a:r>
-              <a:rPr lang="fr-FR" altLang="fr-FR" sz="1000">
+              <a:rPr lang="fr-FR" altLang="fr-FR" sz="1000" dirty="0">
                 <a:solidFill>
                   <a:srgbClr val="D4D4D4"/>
                 </a:solidFill>
@@ -27798,16 +27932,34 @@
               <a:t>[</a:t>
             </a:r>
             <a:r>
-              <a:rPr lang="fr-FR" altLang="fr-FR" sz="1000">
+              <a:rPr lang="fr-FR" altLang="fr-FR" sz="1000" dirty="0">
                 <a:solidFill>
                   <a:srgbClr val="CE9178"/>
                 </a:solidFill>
                 <a:latin typeface="Consolas" panose="020B0609020204030204" pitchFamily="49" charset="0"/>
               </a:rPr>
-              <a:t>'signup'</a:t>
-            </a:r>
-            <a:r>
-              <a:rPr lang="fr-FR" altLang="fr-FR" sz="1000">
+              <a:t>'</a:t>
+            </a:r>
+            <a:r>
+              <a:rPr lang="fr-FR" altLang="fr-FR" sz="1000" dirty="0" err="1">
+                <a:solidFill>
+                  <a:srgbClr val="CE9178"/>
+                </a:solidFill>
+                <a:latin typeface="Consolas" panose="020B0609020204030204" pitchFamily="49" charset="0"/>
+              </a:rPr>
+              <a:t>signup</a:t>
+            </a:r>
+            <a:r>
+              <a:rPr lang="fr-FR" altLang="fr-FR" sz="1000" dirty="0">
+                <a:solidFill>
+                  <a:srgbClr val="CE9178"/>
+                </a:solidFill>
+                <a:latin typeface="Consolas" panose="020B0609020204030204" pitchFamily="49" charset="0"/>
+              </a:rPr>
+              <a:t>'</a:t>
+            </a:r>
+            <a:r>
+              <a:rPr lang="fr-FR" altLang="fr-FR" sz="1000" dirty="0">
                 <a:solidFill>
                   <a:srgbClr val="D4D4D4"/>
                 </a:solidFill>
@@ -27818,26 +27970,53 @@
           </a:p>
           <a:p>
             <a:r>
-              <a:rPr lang="fr-FR" altLang="fr-FR" sz="1000">
-                <a:solidFill>
-                  <a:srgbClr val="D4D4D4"/>
-                </a:solidFill>
-                <a:latin typeface="Consolas" panose="020B0609020204030204" pitchFamily="49" charset="0"/>
-              </a:rPr>
-              <a:t>{</a:t>
-            </a:r>
-          </a:p>
-          <a:p>
-            <a:r>
-              <a:rPr lang="fr-FR" altLang="fr-FR" sz="1000">
+              <a:rPr lang="fr-FR" altLang="fr-FR" sz="1000" dirty="0">
+                <a:solidFill>
+                  <a:srgbClr val="D4D4D4"/>
+                </a:solidFill>
+                <a:latin typeface="Consolas" panose="020B0609020204030204" pitchFamily="49" charset="0"/>
+              </a:rPr>
+              <a:t>	{</a:t>
+            </a:r>
+          </a:p>
+          <a:p>
+            <a:r>
+              <a:rPr lang="fr-FR" altLang="fr-FR" sz="1000" dirty="0">
                 <a:solidFill>
                   <a:srgbClr val="6A9955"/>
                 </a:solidFill>
                 <a:latin typeface="Consolas" panose="020B0609020204030204" pitchFamily="49" charset="0"/>
               </a:rPr>
-              <a:t>//code for captach verification</a:t>
-            </a:r>
-            <a:endParaRPr lang="fr-FR" altLang="fr-FR" sz="1000">
+              <a:t>//code for </a:t>
+            </a:r>
+            <a:r>
+              <a:rPr lang="fr-FR" altLang="fr-FR" sz="1000" dirty="0" err="1">
+                <a:solidFill>
+                  <a:srgbClr val="6A9955"/>
+                </a:solidFill>
+                <a:latin typeface="Consolas" panose="020B0609020204030204" pitchFamily="49" charset="0"/>
+              </a:rPr>
+              <a:t>captach</a:t>
+            </a:r>
+            <a:r>
+              <a:rPr lang="fr-FR" altLang="fr-FR" sz="1000" dirty="0">
+                <a:solidFill>
+                  <a:srgbClr val="6A9955"/>
+                </a:solidFill>
+                <a:latin typeface="Consolas" panose="020B0609020204030204" pitchFamily="49" charset="0"/>
+              </a:rPr>
+              <a:t> </a:t>
+            </a:r>
+            <a:r>
+              <a:rPr lang="fr-FR" altLang="fr-FR" sz="1000" dirty="0" err="1">
+                <a:solidFill>
+                  <a:srgbClr val="6A9955"/>
+                </a:solidFill>
+                <a:latin typeface="Consolas" panose="020B0609020204030204" pitchFamily="49" charset="0"/>
+              </a:rPr>
+              <a:t>verification</a:t>
+            </a:r>
+            <a:endParaRPr lang="fr-FR" altLang="fr-FR" sz="1000" dirty="0">
               <a:solidFill>
                 <a:srgbClr val="D4D4D4"/>
               </a:solidFill>
@@ -27846,16 +28025,16 @@
           </a:p>
           <a:p>
             <a:r>
-              <a:rPr lang="fr-FR" altLang="fr-FR" sz="1000">
+              <a:rPr lang="fr-FR" altLang="fr-FR" sz="1000" dirty="0">
                 <a:solidFill>
                   <a:srgbClr val="C586C0"/>
                 </a:solidFill>
                 <a:latin typeface="Consolas" panose="020B0609020204030204" pitchFamily="49" charset="0"/>
               </a:rPr>
-              <a:t>if</a:t>
-            </a:r>
-            <a:r>
-              <a:rPr lang="fr-FR" altLang="fr-FR" sz="1000">
+              <a:t>	if</a:t>
+            </a:r>
+            <a:r>
+              <a:rPr lang="fr-FR" altLang="fr-FR" sz="1000" dirty="0">
                 <a:solidFill>
                   <a:srgbClr val="D4D4D4"/>
                 </a:solidFill>
@@ -27864,7 +28043,7 @@
               <a:t> (</a:t>
             </a:r>
             <a:r>
-              <a:rPr lang="fr-FR" altLang="fr-FR" sz="1000">
+              <a:rPr lang="fr-FR" altLang="fr-FR" sz="1000" dirty="0">
                 <a:solidFill>
                   <a:srgbClr val="9CDCFE"/>
                 </a:solidFill>
@@ -27873,7 +28052,7 @@
               <a:t>$_POST</a:t>
             </a:r>
             <a:r>
-              <a:rPr lang="fr-FR" altLang="fr-FR" sz="1000">
+              <a:rPr lang="fr-FR" altLang="fr-FR" sz="1000" dirty="0">
                 <a:solidFill>
                   <a:srgbClr val="D4D4D4"/>
                 </a:solidFill>
@@ -27882,16 +28061,34 @@
               <a:t>[</a:t>
             </a:r>
             <a:r>
-              <a:rPr lang="fr-FR" altLang="fr-FR" sz="1000">
+              <a:rPr lang="fr-FR" altLang="fr-FR" sz="1000" dirty="0">
                 <a:solidFill>
                   <a:srgbClr val="CE9178"/>
                 </a:solidFill>
                 <a:latin typeface="Consolas" panose="020B0609020204030204" pitchFamily="49" charset="0"/>
               </a:rPr>
-              <a:t>"vercode"</a:t>
-            </a:r>
-            <a:r>
-              <a:rPr lang="fr-FR" altLang="fr-FR" sz="1000">
+              <a:t>"</a:t>
+            </a:r>
+            <a:r>
+              <a:rPr lang="fr-FR" altLang="fr-FR" sz="1000" dirty="0" err="1">
+                <a:solidFill>
+                  <a:srgbClr val="CE9178"/>
+                </a:solidFill>
+                <a:latin typeface="Consolas" panose="020B0609020204030204" pitchFamily="49" charset="0"/>
+              </a:rPr>
+              <a:t>vercode</a:t>
+            </a:r>
+            <a:r>
+              <a:rPr lang="fr-FR" altLang="fr-FR" sz="1000" dirty="0">
+                <a:solidFill>
+                  <a:srgbClr val="CE9178"/>
+                </a:solidFill>
+                <a:latin typeface="Consolas" panose="020B0609020204030204" pitchFamily="49" charset="0"/>
+              </a:rPr>
+              <a:t>"</a:t>
+            </a:r>
+            <a:r>
+              <a:rPr lang="fr-FR" altLang="fr-FR" sz="1000" dirty="0">
                 <a:solidFill>
                   <a:srgbClr val="D4D4D4"/>
                 </a:solidFill>
@@ -27900,7 +28097,7 @@
               <a:t>] != </a:t>
             </a:r>
             <a:r>
-              <a:rPr lang="fr-FR" altLang="fr-FR" sz="1000">
+              <a:rPr lang="fr-FR" altLang="fr-FR" sz="1000" dirty="0">
                 <a:solidFill>
                   <a:srgbClr val="9CDCFE"/>
                 </a:solidFill>
@@ -27909,7 +28106,7 @@
               <a:t>$_SESSION</a:t>
             </a:r>
             <a:r>
-              <a:rPr lang="fr-FR" altLang="fr-FR" sz="1000">
+              <a:rPr lang="fr-FR" altLang="fr-FR" sz="1000" dirty="0">
                 <a:solidFill>
                   <a:srgbClr val="D4D4D4"/>
                 </a:solidFill>
@@ -27918,16 +28115,34 @@
               <a:t>[</a:t>
             </a:r>
             <a:r>
-              <a:rPr lang="fr-FR" altLang="fr-FR" sz="1000">
+              <a:rPr lang="fr-FR" altLang="fr-FR" sz="1000" dirty="0">
                 <a:solidFill>
                   <a:srgbClr val="CE9178"/>
                 </a:solidFill>
                 <a:latin typeface="Consolas" panose="020B0609020204030204" pitchFamily="49" charset="0"/>
               </a:rPr>
-              <a:t>"vercode"</a:t>
-            </a:r>
-            <a:r>
-              <a:rPr lang="fr-FR" altLang="fr-FR" sz="1000">
+              <a:t>"</a:t>
+            </a:r>
+            <a:r>
+              <a:rPr lang="fr-FR" altLang="fr-FR" sz="1000" dirty="0" err="1">
+                <a:solidFill>
+                  <a:srgbClr val="CE9178"/>
+                </a:solidFill>
+                <a:latin typeface="Consolas" panose="020B0609020204030204" pitchFamily="49" charset="0"/>
+              </a:rPr>
+              <a:t>vercode</a:t>
+            </a:r>
+            <a:r>
+              <a:rPr lang="fr-FR" altLang="fr-FR" sz="1000" dirty="0">
+                <a:solidFill>
+                  <a:srgbClr val="CE9178"/>
+                </a:solidFill>
+                <a:latin typeface="Consolas" panose="020B0609020204030204" pitchFamily="49" charset="0"/>
+              </a:rPr>
+              <a:t>"</a:t>
+            </a:r>
+            <a:r>
+              <a:rPr lang="fr-FR" altLang="fr-FR" sz="1000" dirty="0">
                 <a:solidFill>
                   <a:srgbClr val="D4D4D4"/>
                 </a:solidFill>
@@ -27936,7 +28151,7 @@
               <a:t>] OR </a:t>
             </a:r>
             <a:r>
-              <a:rPr lang="fr-FR" altLang="fr-FR" sz="1000">
+              <a:rPr lang="fr-FR" altLang="fr-FR" sz="1000" dirty="0">
                 <a:solidFill>
                   <a:srgbClr val="9CDCFE"/>
                 </a:solidFill>
@@ -27945,7 +28160,7 @@
               <a:t>$_SESSION</a:t>
             </a:r>
             <a:r>
-              <a:rPr lang="fr-FR" altLang="fr-FR" sz="1000">
+              <a:rPr lang="fr-FR" altLang="fr-FR" sz="1000" dirty="0">
                 <a:solidFill>
                   <a:srgbClr val="D4D4D4"/>
                 </a:solidFill>
@@ -27954,16 +28169,34 @@
               <a:t>[</a:t>
             </a:r>
             <a:r>
-              <a:rPr lang="fr-FR" altLang="fr-FR" sz="1000">
+              <a:rPr lang="fr-FR" altLang="fr-FR" sz="1000" dirty="0">
                 <a:solidFill>
                   <a:srgbClr val="CE9178"/>
                 </a:solidFill>
                 <a:latin typeface="Consolas" panose="020B0609020204030204" pitchFamily="49" charset="0"/>
               </a:rPr>
-              <a:t>"vercode"</a:t>
-            </a:r>
-            <a:r>
-              <a:rPr lang="fr-FR" altLang="fr-FR" sz="1000">
+              <a:t>"</a:t>
+            </a:r>
+            <a:r>
+              <a:rPr lang="fr-FR" altLang="fr-FR" sz="1000" dirty="0" err="1">
+                <a:solidFill>
+                  <a:srgbClr val="CE9178"/>
+                </a:solidFill>
+                <a:latin typeface="Consolas" panose="020B0609020204030204" pitchFamily="49" charset="0"/>
+              </a:rPr>
+              <a:t>vercode</a:t>
+            </a:r>
+            <a:r>
+              <a:rPr lang="fr-FR" altLang="fr-FR" sz="1000" dirty="0">
+                <a:solidFill>
+                  <a:srgbClr val="CE9178"/>
+                </a:solidFill>
+                <a:latin typeface="Consolas" panose="020B0609020204030204" pitchFamily="49" charset="0"/>
+              </a:rPr>
+              <a:t>"</a:t>
+            </a:r>
+            <a:r>
+              <a:rPr lang="fr-FR" altLang="fr-FR" sz="1000" dirty="0">
                 <a:solidFill>
                   <a:srgbClr val="D4D4D4"/>
                 </a:solidFill>
@@ -27972,7 +28205,7 @@
               <a:t>]==</a:t>
             </a:r>
             <a:r>
-              <a:rPr lang="fr-FR" altLang="fr-FR" sz="1000">
+              <a:rPr lang="fr-FR" altLang="fr-FR" sz="1000" dirty="0">
                 <a:solidFill>
                   <a:srgbClr val="CE9178"/>
                 </a:solidFill>
@@ -27981,7 +28214,7 @@
               <a:t>''</a:t>
             </a:r>
             <a:r>
-              <a:rPr lang="fr-FR" altLang="fr-FR" sz="1000">
+              <a:rPr lang="fr-FR" altLang="fr-FR" sz="1000" dirty="0">
                 <a:solidFill>
                   <a:srgbClr val="D4D4D4"/>
                 </a:solidFill>
@@ -27992,7 +28225,7 @@
           </a:p>
           <a:p>
             <a:r>
-              <a:rPr lang="fr-FR" altLang="fr-FR" sz="1000">
+              <a:rPr lang="fr-FR" altLang="fr-FR" sz="1000" dirty="0">
                 <a:solidFill>
                   <a:srgbClr val="D4D4D4"/>
                 </a:solidFill>
@@ -28001,7 +28234,7 @@
               <a:t>        </a:t>
             </a:r>
             <a:r>
-              <a:rPr lang="fr-FR" altLang="fr-FR" sz="1000">
+              <a:rPr lang="fr-FR" altLang="fr-FR" sz="1000" dirty="0" err="1">
                 <a:solidFill>
                   <a:srgbClr val="DCDCAA"/>
                 </a:solidFill>
@@ -28010,7 +28243,7 @@
               <a:t>echo</a:t>
             </a:r>
             <a:r>
-              <a:rPr lang="fr-FR" altLang="fr-FR" sz="1000">
+              <a:rPr lang="fr-FR" altLang="fr-FR" sz="1000" dirty="0">
                 <a:solidFill>
                   <a:srgbClr val="D4D4D4"/>
                 </a:solidFill>
@@ -28019,16 +28252,52 @@
               <a:t> </a:t>
             </a:r>
             <a:r>
-              <a:rPr lang="fr-FR" altLang="fr-FR" sz="1000">
+              <a:rPr lang="fr-FR" altLang="fr-FR" sz="1000" dirty="0">
                 <a:solidFill>
                   <a:srgbClr val="CE9178"/>
                 </a:solidFill>
                 <a:latin typeface="Consolas" panose="020B0609020204030204" pitchFamily="49" charset="0"/>
               </a:rPr>
-              <a:t>"&lt;script&gt;alert('Incorrect verification code');&lt;/script&gt;"</a:t>
-            </a:r>
-            <a:r>
-              <a:rPr lang="fr-FR" altLang="fr-FR" sz="1000">
+              <a:t>"&lt;script&gt;</a:t>
+            </a:r>
+            <a:r>
+              <a:rPr lang="fr-FR" altLang="fr-FR" sz="1000" dirty="0" err="1">
+                <a:solidFill>
+                  <a:srgbClr val="CE9178"/>
+                </a:solidFill>
+                <a:latin typeface="Consolas" panose="020B0609020204030204" pitchFamily="49" charset="0"/>
+              </a:rPr>
+              <a:t>alert</a:t>
+            </a:r>
+            <a:r>
+              <a:rPr lang="fr-FR" altLang="fr-FR" sz="1000" dirty="0">
+                <a:solidFill>
+                  <a:srgbClr val="CE9178"/>
+                </a:solidFill>
+                <a:latin typeface="Consolas" panose="020B0609020204030204" pitchFamily="49" charset="0"/>
+              </a:rPr>
+              <a:t>('Incorrect </a:t>
+            </a:r>
+            <a:r>
+              <a:rPr lang="fr-FR" altLang="fr-FR" sz="1000" dirty="0" err="1">
+                <a:solidFill>
+                  <a:srgbClr val="CE9178"/>
+                </a:solidFill>
+                <a:latin typeface="Consolas" panose="020B0609020204030204" pitchFamily="49" charset="0"/>
+              </a:rPr>
+              <a:t>verification</a:t>
+            </a:r>
+            <a:r>
+              <a:rPr lang="fr-FR" altLang="fr-FR" sz="1000" dirty="0">
+                <a:solidFill>
+                  <a:srgbClr val="CE9178"/>
+                </a:solidFill>
+                <a:latin typeface="Consolas" panose="020B0609020204030204" pitchFamily="49" charset="0"/>
+              </a:rPr>
+              <a:t> code');&lt;/script&gt;"</a:t>
+            </a:r>
+            <a:r>
+              <a:rPr lang="fr-FR" altLang="fr-FR" sz="1000" dirty="0">
                 <a:solidFill>
                   <a:srgbClr val="D4D4D4"/>
                 </a:solidFill>
@@ -28039,18 +28308,18 @@
           </a:p>
           <a:p>
             <a:r>
-              <a:rPr lang="fr-FR" altLang="fr-FR" sz="1000">
-                <a:solidFill>
-                  <a:srgbClr val="D4D4D4"/>
-                </a:solidFill>
-                <a:latin typeface="Consolas" panose="020B0609020204030204" pitchFamily="49" charset="0"/>
-              </a:rPr>
-              <a:t>    } </a:t>
-            </a:r>
-          </a:p>
-          <a:p>
-            <a:r>
-              <a:rPr lang="fr-FR" altLang="fr-FR" sz="1000">
+              <a:rPr lang="fr-FR" altLang="fr-FR" sz="1000" dirty="0">
+                <a:solidFill>
+                  <a:srgbClr val="D4D4D4"/>
+                </a:solidFill>
+                <a:latin typeface="Consolas" panose="020B0609020204030204" pitchFamily="49" charset="0"/>
+              </a:rPr>
+              <a:t>    	} </a:t>
+            </a:r>
+          </a:p>
+          <a:p>
+            <a:r>
+              <a:rPr lang="fr-FR" altLang="fr-FR" sz="1000" dirty="0">
                 <a:solidFill>
                   <a:srgbClr val="D4D4D4"/>
                 </a:solidFill>
@@ -28059,7 +28328,7 @@
               <a:t>        </a:t>
             </a:r>
             <a:r>
-              <a:rPr lang="fr-FR" altLang="fr-FR" sz="1000">
+              <a:rPr lang="fr-FR" altLang="fr-FR" sz="1000" dirty="0" err="1">
                 <a:solidFill>
                   <a:srgbClr val="C586C0"/>
                 </a:solidFill>
@@ -28068,7 +28337,7 @@
               <a:t>else</a:t>
             </a:r>
             <a:r>
-              <a:rPr lang="fr-FR" altLang="fr-FR" sz="1000">
+              <a:rPr lang="fr-FR" altLang="fr-FR" sz="1000" dirty="0">
                 <a:solidFill>
                   <a:srgbClr val="D4D4D4"/>
                 </a:solidFill>
@@ -28079,15 +28348,33 @@
           </a:p>
           <a:p>
             <a:r>
-              <a:rPr lang="fr-FR" altLang="fr-FR" sz="1000">
+              <a:rPr lang="fr-FR" altLang="fr-FR" sz="1000" dirty="0">
                 <a:solidFill>
                   <a:srgbClr val="6A9955"/>
                 </a:solidFill>
                 <a:latin typeface="Consolas" panose="020B0609020204030204" pitchFamily="49" charset="0"/>
               </a:rPr>
-              <a:t>//Code for student ID</a:t>
-            </a:r>
-            <a:endParaRPr lang="fr-FR" altLang="fr-FR" sz="1000">
+              <a:t>//Code for </a:t>
+            </a:r>
+            <a:r>
+              <a:rPr lang="fr-FR" altLang="fr-FR" sz="1000" dirty="0" err="1">
+                <a:solidFill>
+                  <a:srgbClr val="6A9955"/>
+                </a:solidFill>
+                <a:latin typeface="Consolas" panose="020B0609020204030204" pitchFamily="49" charset="0"/>
+              </a:rPr>
+              <a:t>student</a:t>
+            </a:r>
+            <a:r>
+              <a:rPr lang="fr-FR" altLang="fr-FR" sz="1000" dirty="0">
+                <a:solidFill>
+                  <a:srgbClr val="6A9955"/>
+                </a:solidFill>
+                <a:latin typeface="Consolas" panose="020B0609020204030204" pitchFamily="49" charset="0"/>
+              </a:rPr>
+              <a:t> ID</a:t>
+            </a:r>
+            <a:endParaRPr lang="fr-FR" altLang="fr-FR" sz="1000" dirty="0">
               <a:solidFill>
                 <a:srgbClr val="D4D4D4"/>
               </a:solidFill>
@@ -28096,16 +28383,25 @@
           </a:p>
           <a:p>
             <a:r>
-              <a:rPr lang="fr-FR" altLang="fr-FR" sz="1000">
+              <a:rPr lang="fr-FR" altLang="fr-FR" sz="1000" dirty="0">
                 <a:solidFill>
                   <a:srgbClr val="9CDCFE"/>
                 </a:solidFill>
                 <a:latin typeface="Consolas" panose="020B0609020204030204" pitchFamily="49" charset="0"/>
               </a:rPr>
-              <a:t>$count_my_page</a:t>
-            </a:r>
-            <a:r>
-              <a:rPr lang="fr-FR" altLang="fr-FR" sz="1000">
+              <a:t>$</a:t>
+            </a:r>
+            <a:r>
+              <a:rPr lang="fr-FR" altLang="fr-FR" sz="1000" dirty="0" err="1">
+                <a:solidFill>
+                  <a:srgbClr val="9CDCFE"/>
+                </a:solidFill>
+                <a:latin typeface="Consolas" panose="020B0609020204030204" pitchFamily="49" charset="0"/>
+              </a:rPr>
+              <a:t>count_my_page</a:t>
+            </a:r>
+            <a:r>
+              <a:rPr lang="fr-FR" altLang="fr-FR" sz="1000" dirty="0">
                 <a:solidFill>
                   <a:srgbClr val="D4D4D4"/>
                 </a:solidFill>
@@ -28114,7 +28410,7 @@
               <a:t> = (</a:t>
             </a:r>
             <a:r>
-              <a:rPr lang="fr-FR" altLang="fr-FR" sz="1000">
+              <a:rPr lang="fr-FR" altLang="fr-FR" sz="1000" dirty="0">
                 <a:solidFill>
                   <a:srgbClr val="CE9178"/>
                 </a:solidFill>
@@ -28123,7 +28419,7 @@
               <a:t>"studentid.txt"</a:t>
             </a:r>
             <a:r>
-              <a:rPr lang="fr-FR" altLang="fr-FR" sz="1000">
+              <a:rPr lang="fr-FR" altLang="fr-FR" sz="1000" dirty="0">
                 <a:solidFill>
                   <a:srgbClr val="D4D4D4"/>
                 </a:solidFill>
@@ -28134,7 +28430,7 @@
           </a:p>
           <a:p>
             <a:r>
-              <a:rPr lang="fr-FR" altLang="fr-FR" sz="1000">
+              <a:rPr lang="fr-FR" altLang="fr-FR" sz="1000" dirty="0">
                 <a:solidFill>
                   <a:srgbClr val="9CDCFE"/>
                 </a:solidFill>
@@ -28143,7 +28439,7 @@
               <a:t>$hits</a:t>
             </a:r>
             <a:r>
-              <a:rPr lang="fr-FR" altLang="fr-FR" sz="1000">
+              <a:rPr lang="fr-FR" altLang="fr-FR" sz="1000" dirty="0">
                 <a:solidFill>
                   <a:srgbClr val="D4D4D4"/>
                 </a:solidFill>
@@ -28152,7 +28448,7 @@
               <a:t> = </a:t>
             </a:r>
             <a:r>
-              <a:rPr lang="fr-FR" altLang="fr-FR" sz="1000">
+              <a:rPr lang="fr-FR" altLang="fr-FR" sz="1000" dirty="0">
                 <a:solidFill>
                   <a:srgbClr val="DCDCAA"/>
                 </a:solidFill>
@@ -28161,7 +28457,7 @@
               <a:t>file</a:t>
             </a:r>
             <a:r>
-              <a:rPr lang="fr-FR" altLang="fr-FR" sz="1000">
+              <a:rPr lang="fr-FR" altLang="fr-FR" sz="1000" dirty="0">
                 <a:solidFill>
                   <a:srgbClr val="D4D4D4"/>
                 </a:solidFill>
@@ -28170,16 +28466,25 @@
               <a:t>(</a:t>
             </a:r>
             <a:r>
-              <a:rPr lang="fr-FR" altLang="fr-FR" sz="1000">
+              <a:rPr lang="fr-FR" altLang="fr-FR" sz="1000" dirty="0">
                 <a:solidFill>
                   <a:srgbClr val="9CDCFE"/>
                 </a:solidFill>
                 <a:latin typeface="Consolas" panose="020B0609020204030204" pitchFamily="49" charset="0"/>
               </a:rPr>
-              <a:t>$count_my_page</a:t>
-            </a:r>
-            <a:r>
-              <a:rPr lang="fr-FR" altLang="fr-FR" sz="1000">
+              <a:t>$</a:t>
+            </a:r>
+            <a:r>
+              <a:rPr lang="fr-FR" altLang="fr-FR" sz="1000" dirty="0" err="1">
+                <a:solidFill>
+                  <a:srgbClr val="9CDCFE"/>
+                </a:solidFill>
+                <a:latin typeface="Consolas" panose="020B0609020204030204" pitchFamily="49" charset="0"/>
+              </a:rPr>
+              <a:t>count_my_page</a:t>
+            </a:r>
+            <a:r>
+              <a:rPr lang="fr-FR" altLang="fr-FR" sz="1000" dirty="0">
                 <a:solidFill>
                   <a:srgbClr val="D4D4D4"/>
                 </a:solidFill>
@@ -28190,7 +28495,7 @@
           </a:p>
           <a:p>
             <a:r>
-              <a:rPr lang="fr-FR" altLang="fr-FR" sz="1000">
+              <a:rPr lang="fr-FR" altLang="fr-FR" sz="1000" dirty="0">
                 <a:solidFill>
                   <a:srgbClr val="9CDCFE"/>
                 </a:solidFill>
@@ -28199,7 +28504,7 @@
               <a:t>$hits</a:t>
             </a:r>
             <a:r>
-              <a:rPr lang="fr-FR" altLang="fr-FR" sz="1000">
+              <a:rPr lang="fr-FR" altLang="fr-FR" sz="1000" dirty="0">
                 <a:solidFill>
                   <a:srgbClr val="D4D4D4"/>
                 </a:solidFill>
@@ -28208,7 +28513,7 @@
               <a:t>[</a:t>
             </a:r>
             <a:r>
-              <a:rPr lang="fr-FR" altLang="fr-FR" sz="1000">
+              <a:rPr lang="fr-FR" altLang="fr-FR" sz="1000" dirty="0">
                 <a:solidFill>
                   <a:srgbClr val="B5CEA8"/>
                 </a:solidFill>
@@ -28217,7 +28522,7 @@
               <a:t>0</a:t>
             </a:r>
             <a:r>
-              <a:rPr lang="fr-FR" altLang="fr-FR" sz="1000">
+              <a:rPr lang="fr-FR" altLang="fr-FR" sz="1000" dirty="0">
                 <a:solidFill>
                   <a:srgbClr val="D4D4D4"/>
                 </a:solidFill>
@@ -28228,16 +28533,25 @@
           </a:p>
           <a:p>
             <a:r>
-              <a:rPr lang="fr-FR" altLang="fr-FR" sz="1000">
+              <a:rPr lang="fr-FR" altLang="fr-FR" sz="1000" dirty="0">
                 <a:solidFill>
                   <a:srgbClr val="9CDCFE"/>
                 </a:solidFill>
                 <a:latin typeface="Consolas" panose="020B0609020204030204" pitchFamily="49" charset="0"/>
               </a:rPr>
-              <a:t>$fp</a:t>
-            </a:r>
-            <a:r>
-              <a:rPr lang="fr-FR" altLang="fr-FR" sz="1000">
+              <a:t>$</a:t>
+            </a:r>
+            <a:r>
+              <a:rPr lang="fr-FR" altLang="fr-FR" sz="1000" dirty="0" err="1">
+                <a:solidFill>
+                  <a:srgbClr val="9CDCFE"/>
+                </a:solidFill>
+                <a:latin typeface="Consolas" panose="020B0609020204030204" pitchFamily="49" charset="0"/>
+              </a:rPr>
+              <a:t>fp</a:t>
+            </a:r>
+            <a:r>
+              <a:rPr lang="fr-FR" altLang="fr-FR" sz="1000" dirty="0">
                 <a:solidFill>
                   <a:srgbClr val="D4D4D4"/>
                 </a:solidFill>
@@ -28246,7 +28560,7 @@
               <a:t> = </a:t>
             </a:r>
             <a:r>
-              <a:rPr lang="fr-FR" altLang="fr-FR" sz="1000">
+              <a:rPr lang="fr-FR" altLang="fr-FR" sz="1000" dirty="0" err="1">
                 <a:solidFill>
                   <a:srgbClr val="DCDCAA"/>
                 </a:solidFill>
@@ -28255,7 +28569,7 @@
               <a:t>fopen</a:t>
             </a:r>
             <a:r>
-              <a:rPr lang="fr-FR" altLang="fr-FR" sz="1000">
+              <a:rPr lang="fr-FR" altLang="fr-FR" sz="1000" dirty="0">
                 <a:solidFill>
                   <a:srgbClr val="D4D4D4"/>
                 </a:solidFill>
@@ -28264,16 +28578,25 @@
               <a:t>(</a:t>
             </a:r>
             <a:r>
-              <a:rPr lang="fr-FR" altLang="fr-FR" sz="1000">
+              <a:rPr lang="fr-FR" altLang="fr-FR" sz="1000" dirty="0">
                 <a:solidFill>
                   <a:srgbClr val="9CDCFE"/>
                 </a:solidFill>
                 <a:latin typeface="Consolas" panose="020B0609020204030204" pitchFamily="49" charset="0"/>
               </a:rPr>
-              <a:t>$count_my_page</a:t>
-            </a:r>
-            <a:r>
-              <a:rPr lang="fr-FR" altLang="fr-FR" sz="1000">
+              <a:t>$</a:t>
+            </a:r>
+            <a:r>
+              <a:rPr lang="fr-FR" altLang="fr-FR" sz="1000" dirty="0" err="1">
+                <a:solidFill>
+                  <a:srgbClr val="9CDCFE"/>
+                </a:solidFill>
+                <a:latin typeface="Consolas" panose="020B0609020204030204" pitchFamily="49" charset="0"/>
+              </a:rPr>
+              <a:t>count_my_page</a:t>
+            </a:r>
+            <a:r>
+              <a:rPr lang="fr-FR" altLang="fr-FR" sz="1000" dirty="0">
                 <a:solidFill>
                   <a:srgbClr val="D4D4D4"/>
                 </a:solidFill>
@@ -28282,7 +28605,7 @@
               <a:t> , </a:t>
             </a:r>
             <a:r>
-              <a:rPr lang="fr-FR" altLang="fr-FR" sz="1000">
+              <a:rPr lang="fr-FR" altLang="fr-FR" sz="1000" dirty="0">
                 <a:solidFill>
                   <a:srgbClr val="CE9178"/>
                 </a:solidFill>
@@ -28291,7 +28614,7 @@
               <a:t>"w"</a:t>
             </a:r>
             <a:r>
-              <a:rPr lang="fr-FR" altLang="fr-FR" sz="1000">
+              <a:rPr lang="fr-FR" altLang="fr-FR" sz="1000" dirty="0">
                 <a:solidFill>
                   <a:srgbClr val="D4D4D4"/>
                 </a:solidFill>
@@ -28302,7 +28625,7 @@
           </a:p>
           <a:p>
             <a:r>
-              <a:rPr lang="fr-FR" altLang="fr-FR" sz="1000">
+              <a:rPr lang="fr-FR" altLang="fr-FR" sz="1000" dirty="0" err="1">
                 <a:solidFill>
                   <a:srgbClr val="DCDCAA"/>
                 </a:solidFill>
@@ -28311,7 +28634,7 @@
               <a:t>fputs</a:t>
             </a:r>
             <a:r>
-              <a:rPr lang="fr-FR" altLang="fr-FR" sz="1000">
+              <a:rPr lang="fr-FR" altLang="fr-FR" sz="1000" dirty="0">
                 <a:solidFill>
                   <a:srgbClr val="D4D4D4"/>
                 </a:solidFill>
@@ -28320,16 +28643,25 @@
               <a:t>(</a:t>
             </a:r>
             <a:r>
-              <a:rPr lang="fr-FR" altLang="fr-FR" sz="1000">
+              <a:rPr lang="fr-FR" altLang="fr-FR" sz="1000" dirty="0">
                 <a:solidFill>
                   <a:srgbClr val="9CDCFE"/>
                 </a:solidFill>
                 <a:latin typeface="Consolas" panose="020B0609020204030204" pitchFamily="49" charset="0"/>
               </a:rPr>
-              <a:t>$fp</a:t>
-            </a:r>
-            <a:r>
-              <a:rPr lang="fr-FR" altLang="fr-FR" sz="1000">
+              <a:t>$</a:t>
+            </a:r>
+            <a:r>
+              <a:rPr lang="fr-FR" altLang="fr-FR" sz="1000" dirty="0" err="1">
+                <a:solidFill>
+                  <a:srgbClr val="9CDCFE"/>
+                </a:solidFill>
+                <a:latin typeface="Consolas" panose="020B0609020204030204" pitchFamily="49" charset="0"/>
+              </a:rPr>
+              <a:t>fp</a:t>
+            </a:r>
+            <a:r>
+              <a:rPr lang="fr-FR" altLang="fr-FR" sz="1000" dirty="0">
                 <a:solidFill>
                   <a:srgbClr val="D4D4D4"/>
                 </a:solidFill>
@@ -28338,7 +28670,7 @@
               <a:t> , </a:t>
             </a:r>
             <a:r>
-              <a:rPr lang="fr-FR" altLang="fr-FR" sz="1000">
+              <a:rPr lang="fr-FR" altLang="fr-FR" sz="1000" dirty="0">
                 <a:solidFill>
                   <a:srgbClr val="CE9178"/>
                 </a:solidFill>
@@ -28347,7 +28679,7 @@
               <a:t>"</a:t>
             </a:r>
             <a:r>
-              <a:rPr lang="fr-FR" altLang="fr-FR" sz="1000">
+              <a:rPr lang="fr-FR" altLang="fr-FR" sz="1000" dirty="0">
                 <a:solidFill>
                   <a:srgbClr val="9CDCFE"/>
                 </a:solidFill>
@@ -28356,7 +28688,7 @@
               <a:t>$hits</a:t>
             </a:r>
             <a:r>
-              <a:rPr lang="fr-FR" altLang="fr-FR" sz="1000">
+              <a:rPr lang="fr-FR" altLang="fr-FR" sz="1000" dirty="0">
                 <a:solidFill>
                   <a:srgbClr val="CE9178"/>
                 </a:solidFill>
@@ -28365,7 +28697,7 @@
               <a:t>[</a:t>
             </a:r>
             <a:r>
-              <a:rPr lang="fr-FR" altLang="fr-FR" sz="1000">
+              <a:rPr lang="fr-FR" altLang="fr-FR" sz="1000" dirty="0">
                 <a:solidFill>
                   <a:srgbClr val="B5CEA8"/>
                 </a:solidFill>
@@ -28374,7 +28706,7 @@
               <a:t>0</a:t>
             </a:r>
             <a:r>
-              <a:rPr lang="fr-FR" altLang="fr-FR" sz="1000">
+              <a:rPr lang="fr-FR" altLang="fr-FR" sz="1000" dirty="0">
                 <a:solidFill>
                   <a:srgbClr val="CE9178"/>
                 </a:solidFill>
@@ -28383,7 +28715,7 @@
               <a:t>]"</a:t>
             </a:r>
             <a:r>
-              <a:rPr lang="fr-FR" altLang="fr-FR" sz="1000">
+              <a:rPr lang="fr-FR" altLang="fr-FR" sz="1000" dirty="0">
                 <a:solidFill>
                   <a:srgbClr val="D4D4D4"/>
                 </a:solidFill>
@@ -28394,7 +28726,7 @@
           </a:p>
           <a:p>
             <a:r>
-              <a:rPr lang="fr-FR" altLang="fr-FR" sz="1000">
+              <a:rPr lang="fr-FR" altLang="fr-FR" sz="1000" dirty="0" err="1">
                 <a:solidFill>
                   <a:srgbClr val="DCDCAA"/>
                 </a:solidFill>
@@ -28403,7 +28735,7 @@
               <a:t>fclose</a:t>
             </a:r>
             <a:r>
-              <a:rPr lang="fr-FR" altLang="fr-FR" sz="1000">
+              <a:rPr lang="fr-FR" altLang="fr-FR" sz="1000" dirty="0">
                 <a:solidFill>
                   <a:srgbClr val="D4D4D4"/>
                 </a:solidFill>
@@ -28412,16 +28744,25 @@
               <a:t>(</a:t>
             </a:r>
             <a:r>
-              <a:rPr lang="fr-FR" altLang="fr-FR" sz="1000">
+              <a:rPr lang="fr-FR" altLang="fr-FR" sz="1000" dirty="0">
                 <a:solidFill>
                   <a:srgbClr val="9CDCFE"/>
                 </a:solidFill>
                 <a:latin typeface="Consolas" panose="020B0609020204030204" pitchFamily="49" charset="0"/>
               </a:rPr>
-              <a:t>$fp</a:t>
-            </a:r>
-            <a:r>
-              <a:rPr lang="fr-FR" altLang="fr-FR" sz="1000">
+              <a:t>$</a:t>
+            </a:r>
+            <a:r>
+              <a:rPr lang="fr-FR" altLang="fr-FR" sz="1000" dirty="0" err="1">
+                <a:solidFill>
+                  <a:srgbClr val="9CDCFE"/>
+                </a:solidFill>
+                <a:latin typeface="Consolas" panose="020B0609020204030204" pitchFamily="49" charset="0"/>
+              </a:rPr>
+              <a:t>fp</a:t>
+            </a:r>
+            <a:r>
+              <a:rPr lang="fr-FR" altLang="fr-FR" sz="1000" dirty="0">
                 <a:solidFill>
                   <a:srgbClr val="D4D4D4"/>
                 </a:solidFill>
@@ -28432,16 +28773,25 @@
           </a:p>
           <a:p>
             <a:r>
-              <a:rPr lang="fr-FR" altLang="fr-FR" sz="1000">
+              <a:rPr lang="fr-FR" altLang="fr-FR" sz="1000" dirty="0">
                 <a:solidFill>
                   <a:srgbClr val="9CDCFE"/>
                 </a:solidFill>
                 <a:latin typeface="Consolas" panose="020B0609020204030204" pitchFamily="49" charset="0"/>
               </a:rPr>
-              <a:t>$StudentId</a:t>
-            </a:r>
-            <a:r>
-              <a:rPr lang="fr-FR" altLang="fr-FR" sz="1000">
+              <a:t>$</a:t>
+            </a:r>
+            <a:r>
+              <a:rPr lang="fr-FR" altLang="fr-FR" sz="1000" dirty="0" err="1">
+                <a:solidFill>
+                  <a:srgbClr val="9CDCFE"/>
+                </a:solidFill>
+                <a:latin typeface="Consolas" panose="020B0609020204030204" pitchFamily="49" charset="0"/>
+              </a:rPr>
+              <a:t>StudentId</a:t>
+            </a:r>
+            <a:r>
+              <a:rPr lang="fr-FR" altLang="fr-FR" sz="1000" dirty="0">
                 <a:solidFill>
                   <a:srgbClr val="D4D4D4"/>
                 </a:solidFill>
@@ -28450,7 +28800,7 @@
               <a:t>= </a:t>
             </a:r>
             <a:r>
-              <a:rPr lang="fr-FR" altLang="fr-FR" sz="1000">
+              <a:rPr lang="fr-FR" altLang="fr-FR" sz="1000" dirty="0">
                 <a:solidFill>
                   <a:srgbClr val="9CDCFE"/>
                 </a:solidFill>
@@ -28459,7 +28809,7 @@
               <a:t>$hits</a:t>
             </a:r>
             <a:r>
-              <a:rPr lang="fr-FR" altLang="fr-FR" sz="1000">
+              <a:rPr lang="fr-FR" altLang="fr-FR" sz="1000" dirty="0">
                 <a:solidFill>
                   <a:srgbClr val="D4D4D4"/>
                 </a:solidFill>
@@ -28468,7 +28818,7 @@
               <a:t>[</a:t>
             </a:r>
             <a:r>
-              <a:rPr lang="fr-FR" altLang="fr-FR" sz="1000">
+              <a:rPr lang="fr-FR" altLang="fr-FR" sz="1000" dirty="0">
                 <a:solidFill>
                   <a:srgbClr val="B5CEA8"/>
                 </a:solidFill>
@@ -28477,7 +28827,7 @@
               <a:t>0</a:t>
             </a:r>
             <a:r>
-              <a:rPr lang="fr-FR" altLang="fr-FR" sz="1000">
+              <a:rPr lang="fr-FR" altLang="fr-FR" sz="1000" dirty="0">
                 <a:solidFill>
                   <a:srgbClr val="D4D4D4"/>
                 </a:solidFill>
@@ -28488,16 +28838,25 @@
           </a:p>
           <a:p>
             <a:r>
-              <a:rPr lang="fr-FR" altLang="fr-FR" sz="1000">
+              <a:rPr lang="fr-FR" altLang="fr-FR" sz="1000" dirty="0">
                 <a:solidFill>
                   <a:srgbClr val="9CDCFE"/>
                 </a:solidFill>
                 <a:latin typeface="Consolas" panose="020B0609020204030204" pitchFamily="49" charset="0"/>
               </a:rPr>
-              <a:t>$fname</a:t>
-            </a:r>
-            <a:r>
-              <a:rPr lang="fr-FR" altLang="fr-FR" sz="1000">
+              <a:t>$</a:t>
+            </a:r>
+            <a:r>
+              <a:rPr lang="fr-FR" altLang="fr-FR" sz="1000" dirty="0" err="1">
+                <a:solidFill>
+                  <a:srgbClr val="9CDCFE"/>
+                </a:solidFill>
+                <a:latin typeface="Consolas" panose="020B0609020204030204" pitchFamily="49" charset="0"/>
+              </a:rPr>
+              <a:t>fname</a:t>
+            </a:r>
+            <a:r>
+              <a:rPr lang="fr-FR" altLang="fr-FR" sz="1000" dirty="0">
                 <a:solidFill>
                   <a:srgbClr val="D4D4D4"/>
                 </a:solidFill>
@@ -28506,7 +28865,7 @@
               <a:t>=</a:t>
             </a:r>
             <a:r>
-              <a:rPr lang="fr-FR" altLang="fr-FR" sz="1000">
+              <a:rPr lang="fr-FR" altLang="fr-FR" sz="1000" dirty="0">
                 <a:solidFill>
                   <a:srgbClr val="9CDCFE"/>
                 </a:solidFill>
@@ -28515,7 +28874,7 @@
               <a:t>$_POST</a:t>
             </a:r>
             <a:r>
-              <a:rPr lang="fr-FR" altLang="fr-FR" sz="1000">
+              <a:rPr lang="fr-FR" altLang="fr-FR" sz="1000" dirty="0">
                 <a:solidFill>
                   <a:srgbClr val="D4D4D4"/>
                 </a:solidFill>
@@ -28524,16 +28883,34 @@
               <a:t>[</a:t>
             </a:r>
             <a:r>
-              <a:rPr lang="fr-FR" altLang="fr-FR" sz="1000">
+              <a:rPr lang="fr-FR" altLang="fr-FR" sz="1000" dirty="0">
                 <a:solidFill>
                   <a:srgbClr val="CE9178"/>
                 </a:solidFill>
                 <a:latin typeface="Consolas" panose="020B0609020204030204" pitchFamily="49" charset="0"/>
               </a:rPr>
-              <a:t>'fullanme'</a:t>
-            </a:r>
-            <a:r>
-              <a:rPr lang="fr-FR" altLang="fr-FR" sz="1000">
+              <a:t>'</a:t>
+            </a:r>
+            <a:r>
+              <a:rPr lang="fr-FR" altLang="fr-FR" sz="1000" dirty="0" err="1">
+                <a:solidFill>
+                  <a:srgbClr val="CE9178"/>
+                </a:solidFill>
+                <a:latin typeface="Consolas" panose="020B0609020204030204" pitchFamily="49" charset="0"/>
+              </a:rPr>
+              <a:t>fullanme</a:t>
+            </a:r>
+            <a:r>
+              <a:rPr lang="fr-FR" altLang="fr-FR" sz="1000" dirty="0">
+                <a:solidFill>
+                  <a:srgbClr val="CE9178"/>
+                </a:solidFill>
+                <a:latin typeface="Consolas" panose="020B0609020204030204" pitchFamily="49" charset="0"/>
+              </a:rPr>
+              <a:t>'</a:t>
+            </a:r>
+            <a:r>
+              <a:rPr lang="fr-FR" altLang="fr-FR" sz="1000" dirty="0">
                 <a:solidFill>
                   <a:srgbClr val="D4D4D4"/>
                 </a:solidFill>
@@ -28544,16 +28921,25 @@
           </a:p>
           <a:p>
             <a:r>
-              <a:rPr lang="fr-FR" altLang="fr-FR" sz="1000">
+              <a:rPr lang="fr-FR" altLang="fr-FR" sz="1000" dirty="0">
                 <a:solidFill>
                   <a:srgbClr val="9CDCFE"/>
                 </a:solidFill>
                 <a:latin typeface="Consolas" panose="020B0609020204030204" pitchFamily="49" charset="0"/>
               </a:rPr>
-              <a:t>$mobileno</a:t>
-            </a:r>
-            <a:r>
-              <a:rPr lang="fr-FR" altLang="fr-FR" sz="1000">
+              <a:t>$</a:t>
+            </a:r>
+            <a:r>
+              <a:rPr lang="fr-FR" altLang="fr-FR" sz="1000" dirty="0" err="1">
+                <a:solidFill>
+                  <a:srgbClr val="9CDCFE"/>
+                </a:solidFill>
+                <a:latin typeface="Consolas" panose="020B0609020204030204" pitchFamily="49" charset="0"/>
+              </a:rPr>
+              <a:t>mobileno</a:t>
+            </a:r>
+            <a:r>
+              <a:rPr lang="fr-FR" altLang="fr-FR" sz="1000" dirty="0">
                 <a:solidFill>
                   <a:srgbClr val="D4D4D4"/>
                 </a:solidFill>
@@ -28562,7 +28948,7 @@
               <a:t>=</a:t>
             </a:r>
             <a:r>
-              <a:rPr lang="fr-FR" altLang="fr-FR" sz="1000">
+              <a:rPr lang="fr-FR" altLang="fr-FR" sz="1000" dirty="0">
                 <a:solidFill>
                   <a:srgbClr val="9CDCFE"/>
                 </a:solidFill>
@@ -28571,7 +28957,7 @@
               <a:t>$_POST</a:t>
             </a:r>
             <a:r>
-              <a:rPr lang="fr-FR" altLang="fr-FR" sz="1000">
+              <a:rPr lang="fr-FR" altLang="fr-FR" sz="1000" dirty="0">
                 <a:solidFill>
                   <a:srgbClr val="D4D4D4"/>
                 </a:solidFill>
@@ -28580,16 +28966,34 @@
               <a:t>[</a:t>
             </a:r>
             <a:r>
-              <a:rPr lang="fr-FR" altLang="fr-FR" sz="1000">
+              <a:rPr lang="fr-FR" altLang="fr-FR" sz="1000" dirty="0">
                 <a:solidFill>
                   <a:srgbClr val="CE9178"/>
                 </a:solidFill>
                 <a:latin typeface="Consolas" panose="020B0609020204030204" pitchFamily="49" charset="0"/>
               </a:rPr>
-              <a:t>'mobileno'</a:t>
-            </a:r>
-            <a:r>
-              <a:rPr lang="fr-FR" altLang="fr-FR" sz="1000">
+              <a:t>'</a:t>
+            </a:r>
+            <a:r>
+              <a:rPr lang="fr-FR" altLang="fr-FR" sz="1000" dirty="0" err="1">
+                <a:solidFill>
+                  <a:srgbClr val="CE9178"/>
+                </a:solidFill>
+                <a:latin typeface="Consolas" panose="020B0609020204030204" pitchFamily="49" charset="0"/>
+              </a:rPr>
+              <a:t>mobileno</a:t>
+            </a:r>
+            <a:r>
+              <a:rPr lang="fr-FR" altLang="fr-FR" sz="1000" dirty="0">
+                <a:solidFill>
+                  <a:srgbClr val="CE9178"/>
+                </a:solidFill>
+                <a:latin typeface="Consolas" panose="020B0609020204030204" pitchFamily="49" charset="0"/>
+              </a:rPr>
+              <a:t>'</a:t>
+            </a:r>
+            <a:r>
+              <a:rPr lang="fr-FR" altLang="fr-FR" sz="1000" dirty="0">
                 <a:solidFill>
                   <a:srgbClr val="D4D4D4"/>
                 </a:solidFill>
@@ -28600,7 +29004,7 @@
           </a:p>
           <a:p>
             <a:r>
-              <a:rPr lang="fr-FR" altLang="fr-FR" sz="1000">
+              <a:rPr lang="fr-FR" altLang="fr-FR" sz="1000" dirty="0">
                 <a:solidFill>
                   <a:srgbClr val="9CDCFE"/>
                 </a:solidFill>
@@ -28609,7 +29013,7 @@
               <a:t>$email</a:t>
             </a:r>
             <a:r>
-              <a:rPr lang="fr-FR" altLang="fr-FR" sz="1000">
+              <a:rPr lang="fr-FR" altLang="fr-FR" sz="1000" dirty="0">
                 <a:solidFill>
                   <a:srgbClr val="D4D4D4"/>
                 </a:solidFill>
@@ -28618,7 +29022,7 @@
               <a:t>=</a:t>
             </a:r>
             <a:r>
-              <a:rPr lang="fr-FR" altLang="fr-FR" sz="1000">
+              <a:rPr lang="fr-FR" altLang="fr-FR" sz="1000" dirty="0">
                 <a:solidFill>
                   <a:srgbClr val="9CDCFE"/>
                 </a:solidFill>
@@ -28627,7 +29031,7 @@
               <a:t>$_POST</a:t>
             </a:r>
             <a:r>
-              <a:rPr lang="fr-FR" altLang="fr-FR" sz="1000">
+              <a:rPr lang="fr-FR" altLang="fr-FR" sz="1000" dirty="0">
                 <a:solidFill>
                   <a:srgbClr val="D4D4D4"/>
                 </a:solidFill>
@@ -28636,7 +29040,7 @@
               <a:t>[</a:t>
             </a:r>
             <a:r>
-              <a:rPr lang="fr-FR" altLang="fr-FR" sz="1000">
+              <a:rPr lang="fr-FR" altLang="fr-FR" sz="1000" dirty="0">
                 <a:solidFill>
                   <a:srgbClr val="CE9178"/>
                 </a:solidFill>
@@ -28645,7 +29049,7 @@
               <a:t>'email'</a:t>
             </a:r>
             <a:r>
-              <a:rPr lang="fr-FR" altLang="fr-FR" sz="1000">
+              <a:rPr lang="fr-FR" altLang="fr-FR" sz="1000" dirty="0">
                 <a:solidFill>
                   <a:srgbClr val="D4D4D4"/>
                 </a:solidFill>
@@ -28656,16 +29060,25 @@
           </a:p>
           <a:p>
             <a:r>
-              <a:rPr lang="fr-FR" altLang="fr-FR" sz="1000">
+              <a:rPr lang="fr-FR" altLang="fr-FR" sz="1000" dirty="0">
                 <a:solidFill>
                   <a:srgbClr val="9CDCFE"/>
                 </a:solidFill>
                 <a:latin typeface="Consolas" panose="020B0609020204030204" pitchFamily="49" charset="0"/>
               </a:rPr>
-              <a:t>$password</a:t>
-            </a:r>
-            <a:r>
-              <a:rPr lang="fr-FR" altLang="fr-FR" sz="1000">
+              <a:t>$</a:t>
+            </a:r>
+            <a:r>
+              <a:rPr lang="fr-FR" altLang="fr-FR" sz="1000" dirty="0" err="1">
+                <a:solidFill>
+                  <a:srgbClr val="9CDCFE"/>
+                </a:solidFill>
+                <a:latin typeface="Consolas" panose="020B0609020204030204" pitchFamily="49" charset="0"/>
+              </a:rPr>
+              <a:t>password</a:t>
+            </a:r>
+            <a:r>
+              <a:rPr lang="fr-FR" altLang="fr-FR" sz="1000" dirty="0">
                 <a:solidFill>
                   <a:srgbClr val="D4D4D4"/>
                 </a:solidFill>
@@ -28674,7 +29087,7 @@
               <a:t>=</a:t>
             </a:r>
             <a:r>
-              <a:rPr lang="fr-FR" altLang="fr-FR" sz="1000">
+              <a:rPr lang="fr-FR" altLang="fr-FR" sz="1000" dirty="0">
                 <a:solidFill>
                   <a:srgbClr val="DCDCAA"/>
                 </a:solidFill>
@@ -28683,7 +29096,7 @@
               <a:t>md5</a:t>
             </a:r>
             <a:r>
-              <a:rPr lang="fr-FR" altLang="fr-FR" sz="1000">
+              <a:rPr lang="fr-FR" altLang="fr-FR" sz="1000" dirty="0">
                 <a:solidFill>
                   <a:srgbClr val="D4D4D4"/>
                 </a:solidFill>
@@ -28692,7 +29105,7 @@
               <a:t>(</a:t>
             </a:r>
             <a:r>
-              <a:rPr lang="fr-FR" altLang="fr-FR" sz="1000">
+              <a:rPr lang="fr-FR" altLang="fr-FR" sz="1000" dirty="0">
                 <a:solidFill>
                   <a:srgbClr val="9CDCFE"/>
                 </a:solidFill>
@@ -28701,7 +29114,7 @@
               <a:t>$_POST</a:t>
             </a:r>
             <a:r>
-              <a:rPr lang="fr-FR" altLang="fr-FR" sz="1000">
+              <a:rPr lang="fr-FR" altLang="fr-FR" sz="1000" dirty="0">
                 <a:solidFill>
                   <a:srgbClr val="D4D4D4"/>
                 </a:solidFill>
@@ -28710,16 +29123,34 @@
               <a:t>[</a:t>
             </a:r>
             <a:r>
-              <a:rPr lang="fr-FR" altLang="fr-FR" sz="1000">
+              <a:rPr lang="fr-FR" altLang="fr-FR" sz="1000" dirty="0">
                 <a:solidFill>
                   <a:srgbClr val="CE9178"/>
                 </a:solidFill>
                 <a:latin typeface="Consolas" panose="020B0609020204030204" pitchFamily="49" charset="0"/>
               </a:rPr>
-              <a:t>'password'</a:t>
-            </a:r>
-            <a:r>
-              <a:rPr lang="fr-FR" altLang="fr-FR" sz="1000">
+              <a:t>'</a:t>
+            </a:r>
+            <a:r>
+              <a:rPr lang="fr-FR" altLang="fr-FR" sz="1000" dirty="0" err="1">
+                <a:solidFill>
+                  <a:srgbClr val="CE9178"/>
+                </a:solidFill>
+                <a:latin typeface="Consolas" panose="020B0609020204030204" pitchFamily="49" charset="0"/>
+              </a:rPr>
+              <a:t>password</a:t>
+            </a:r>
+            <a:r>
+              <a:rPr lang="fr-FR" altLang="fr-FR" sz="1000" dirty="0">
+                <a:solidFill>
+                  <a:srgbClr val="CE9178"/>
+                </a:solidFill>
+                <a:latin typeface="Consolas" panose="020B0609020204030204" pitchFamily="49" charset="0"/>
+              </a:rPr>
+              <a:t>'</a:t>
+            </a:r>
+            <a:r>
+              <a:rPr lang="fr-FR" altLang="fr-FR" sz="1000" dirty="0">
                 <a:solidFill>
                   <a:srgbClr val="D4D4D4"/>
                 </a:solidFill>
@@ -28730,16 +29161,25 @@
           </a:p>
           <a:p>
             <a:r>
-              <a:rPr lang="fr-FR" altLang="fr-FR" sz="1000">
+              <a:rPr lang="fr-FR" altLang="fr-FR" sz="1000" dirty="0">
                 <a:solidFill>
                   <a:srgbClr val="9CDCFE"/>
                 </a:solidFill>
                 <a:latin typeface="Consolas" panose="020B0609020204030204" pitchFamily="49" charset="0"/>
               </a:rPr>
-              <a:t>$status</a:t>
-            </a:r>
-            <a:r>
-              <a:rPr lang="fr-FR" altLang="fr-FR" sz="1000">
+              <a:t>$</a:t>
+            </a:r>
+            <a:r>
+              <a:rPr lang="fr-FR" altLang="fr-FR" sz="1000" dirty="0" err="1">
+                <a:solidFill>
+                  <a:srgbClr val="9CDCFE"/>
+                </a:solidFill>
+                <a:latin typeface="Consolas" panose="020B0609020204030204" pitchFamily="49" charset="0"/>
+              </a:rPr>
+              <a:t>status</a:t>
+            </a:r>
+            <a:r>
+              <a:rPr lang="fr-FR" altLang="fr-FR" sz="1000" dirty="0">
                 <a:solidFill>
                   <a:srgbClr val="D4D4D4"/>
                 </a:solidFill>
@@ -28748,7 +29188,7 @@
               <a:t>=</a:t>
             </a:r>
             <a:r>
-              <a:rPr lang="fr-FR" altLang="fr-FR" sz="1000">
+              <a:rPr lang="fr-FR" altLang="fr-FR" sz="1000" dirty="0">
                 <a:solidFill>
                   <a:srgbClr val="B5CEA8"/>
                 </a:solidFill>
@@ -28757,7 +29197,7 @@
               <a:t>1</a:t>
             </a:r>
             <a:r>
-              <a:rPr lang="fr-FR" altLang="fr-FR" sz="1000">
+              <a:rPr lang="fr-FR" altLang="fr-FR" sz="1000" dirty="0">
                 <a:solidFill>
                   <a:srgbClr val="D4D4D4"/>
                 </a:solidFill>
@@ -29003,16 +29443,25 @@
           </a:lstStyle>
           <a:p>
             <a:r>
-              <a:rPr lang="fr-FR" altLang="fr-FR" sz="1000">
+              <a:rPr lang="fr-FR" altLang="fr-FR" sz="1000" dirty="0">
                 <a:solidFill>
                   <a:srgbClr val="9CDCFE"/>
                 </a:solidFill>
                 <a:latin typeface="Consolas" panose="020B0609020204030204" pitchFamily="49" charset="0"/>
               </a:rPr>
-              <a:t>$sql</a:t>
-            </a:r>
-            <a:r>
-              <a:rPr lang="fr-FR" altLang="fr-FR" sz="1000">
+              <a:t>$</a:t>
+            </a:r>
+            <a:r>
+              <a:rPr lang="fr-FR" altLang="fr-FR" sz="1000" dirty="0" err="1">
+                <a:solidFill>
+                  <a:srgbClr val="9CDCFE"/>
+                </a:solidFill>
+                <a:latin typeface="Consolas" panose="020B0609020204030204" pitchFamily="49" charset="0"/>
+              </a:rPr>
+              <a:t>sql</a:t>
+            </a:r>
+            <a:r>
+              <a:rPr lang="fr-FR" altLang="fr-FR" sz="1000" dirty="0">
                 <a:solidFill>
                   <a:srgbClr val="D4D4D4"/>
                 </a:solidFill>
@@ -29021,7 +29470,7 @@
               <a:t>=</a:t>
             </a:r>
             <a:r>
-              <a:rPr lang="fr-FR" altLang="fr-FR" sz="1000">
+              <a:rPr lang="fr-FR" altLang="fr-FR" sz="1000" dirty="0">
                 <a:solidFill>
                   <a:srgbClr val="CE9178"/>
                 </a:solidFill>
@@ -29030,7 +29479,7 @@
               <a:t>"</a:t>
             </a:r>
             <a:r>
-              <a:rPr lang="fr-FR" altLang="fr-FR" sz="1000">
+              <a:rPr lang="fr-FR" altLang="fr-FR" sz="1000" dirty="0">
                 <a:solidFill>
                   <a:srgbClr val="569CD6"/>
                 </a:solidFill>
@@ -29039,7 +29488,7 @@
               <a:t>INSERT</a:t>
             </a:r>
             <a:r>
-              <a:rPr lang="fr-FR" altLang="fr-FR" sz="1000">
+              <a:rPr lang="fr-FR" altLang="fr-FR" sz="1000" dirty="0">
                 <a:solidFill>
                   <a:srgbClr val="CE9178"/>
                 </a:solidFill>
@@ -29048,7 +29497,7 @@
               <a:t> </a:t>
             </a:r>
             <a:r>
-              <a:rPr lang="fr-FR" altLang="fr-FR" sz="1000">
+              <a:rPr lang="fr-FR" altLang="fr-FR" sz="1000" dirty="0">
                 <a:solidFill>
                   <a:srgbClr val="569CD6"/>
                 </a:solidFill>
@@ -29057,16 +29506,43 @@
               <a:t>INTO</a:t>
             </a:r>
             <a:r>
-              <a:rPr lang="fr-FR" altLang="fr-FR" sz="1000">
+              <a:rPr lang="fr-FR" altLang="fr-FR" sz="1000" dirty="0">
                 <a:solidFill>
                   <a:srgbClr val="CE9178"/>
                 </a:solidFill>
                 <a:latin typeface="Consolas" panose="020B0609020204030204" pitchFamily="49" charset="0"/>
               </a:rPr>
-              <a:t>  tblstudents(StudentId,FullName,MobileNumber,EmailId,</a:t>
-            </a:r>
-            <a:r>
-              <a:rPr lang="fr-FR" altLang="fr-FR" sz="1000">
+              <a:t>  </a:t>
+            </a:r>
+            <a:r>
+              <a:rPr lang="fr-FR" altLang="fr-FR" sz="1000" dirty="0" err="1">
+                <a:solidFill>
+                  <a:srgbClr val="CE9178"/>
+                </a:solidFill>
+                <a:latin typeface="Consolas" panose="020B0609020204030204" pitchFamily="49" charset="0"/>
+              </a:rPr>
+              <a:t>tblstudents</a:t>
+            </a:r>
+            <a:r>
+              <a:rPr lang="fr-FR" altLang="fr-FR" sz="1000" dirty="0">
+                <a:solidFill>
+                  <a:srgbClr val="CE9178"/>
+                </a:solidFill>
+                <a:latin typeface="Consolas" panose="020B0609020204030204" pitchFamily="49" charset="0"/>
+              </a:rPr>
+              <a:t>(</a:t>
+            </a:r>
+            <a:r>
+              <a:rPr lang="fr-FR" altLang="fr-FR" sz="1000" dirty="0" err="1">
+                <a:solidFill>
+                  <a:srgbClr val="CE9178"/>
+                </a:solidFill>
+                <a:latin typeface="Consolas" panose="020B0609020204030204" pitchFamily="49" charset="0"/>
+              </a:rPr>
+              <a:t>StudentId,FullName,MobileNumber,EmailId,</a:t>
+            </a:r>
+            <a:r>
+              <a:rPr lang="fr-FR" altLang="fr-FR" sz="1000" dirty="0" err="1">
                 <a:solidFill>
                   <a:srgbClr val="569CD6"/>
                 </a:solidFill>
@@ -29075,7 +29551,7 @@
               <a:t>Password</a:t>
             </a:r>
             <a:r>
-              <a:rPr lang="fr-FR" altLang="fr-FR" sz="1000">
+              <a:rPr lang="fr-FR" altLang="fr-FR" sz="1000" dirty="0" err="1">
                 <a:solidFill>
                   <a:srgbClr val="CE9178"/>
                 </a:solidFill>
@@ -29084,7 +29560,7 @@
               <a:t>,</a:t>
             </a:r>
             <a:r>
-              <a:rPr lang="fr-FR" altLang="fr-FR" sz="1000">
+              <a:rPr lang="fr-FR" altLang="fr-FR" sz="1000" dirty="0" err="1">
                 <a:solidFill>
                   <a:srgbClr val="569CD6"/>
                 </a:solidFill>
@@ -29093,7 +29569,7 @@
               <a:t>Status</a:t>
             </a:r>
             <a:r>
-              <a:rPr lang="fr-FR" altLang="fr-FR" sz="1000">
+              <a:rPr lang="fr-FR" altLang="fr-FR" sz="1000" dirty="0">
                 <a:solidFill>
                   <a:srgbClr val="CE9178"/>
                 </a:solidFill>
@@ -29102,7 +29578,7 @@
               <a:t>) </a:t>
             </a:r>
             <a:r>
-              <a:rPr lang="fr-FR" altLang="fr-FR" sz="1000">
+              <a:rPr lang="fr-FR" altLang="fr-FR" sz="1000" dirty="0">
                 <a:solidFill>
                   <a:srgbClr val="569CD6"/>
                 </a:solidFill>
@@ -29111,16 +29587,70 @@
               <a:t>VALUES</a:t>
             </a:r>
             <a:r>
-              <a:rPr lang="fr-FR" altLang="fr-FR" sz="1000">
+              <a:rPr lang="fr-FR" altLang="fr-FR" sz="1000" dirty="0">
                 <a:solidFill>
                   <a:srgbClr val="CE9178"/>
                 </a:solidFill>
                 <a:latin typeface="Consolas" panose="020B0609020204030204" pitchFamily="49" charset="0"/>
               </a:rPr>
-              <a:t>(:StudentId,:fname,:mobileno,:email,:</a:t>
-            </a:r>
-            <a:r>
-              <a:rPr lang="fr-FR" altLang="fr-FR" sz="1000">
+              <a:t>(:</a:t>
+            </a:r>
+            <a:r>
+              <a:rPr lang="fr-FR" altLang="fr-FR" sz="1000" dirty="0" err="1">
+                <a:solidFill>
+                  <a:srgbClr val="CE9178"/>
+                </a:solidFill>
+                <a:latin typeface="Consolas" panose="020B0609020204030204" pitchFamily="49" charset="0"/>
+              </a:rPr>
+              <a:t>StudentId</a:t>
+            </a:r>
+            <a:r>
+              <a:rPr lang="fr-FR" altLang="fr-FR" sz="1000" dirty="0">
+                <a:solidFill>
+                  <a:srgbClr val="CE9178"/>
+                </a:solidFill>
+                <a:latin typeface="Consolas" panose="020B0609020204030204" pitchFamily="49" charset="0"/>
+              </a:rPr>
+              <a:t>,:</a:t>
+            </a:r>
+            <a:r>
+              <a:rPr lang="fr-FR" altLang="fr-FR" sz="1000" dirty="0" err="1">
+                <a:solidFill>
+                  <a:srgbClr val="CE9178"/>
+                </a:solidFill>
+                <a:latin typeface="Consolas" panose="020B0609020204030204" pitchFamily="49" charset="0"/>
+              </a:rPr>
+              <a:t>fname</a:t>
+            </a:r>
+            <a:r>
+              <a:rPr lang="fr-FR" altLang="fr-FR" sz="1000" dirty="0">
+                <a:solidFill>
+                  <a:srgbClr val="CE9178"/>
+                </a:solidFill>
+                <a:latin typeface="Consolas" panose="020B0609020204030204" pitchFamily="49" charset="0"/>
+              </a:rPr>
+              <a:t>,:</a:t>
+            </a:r>
+            <a:r>
+              <a:rPr lang="fr-FR" altLang="fr-FR" sz="1000" dirty="0" err="1">
+                <a:solidFill>
+                  <a:srgbClr val="CE9178"/>
+                </a:solidFill>
+                <a:latin typeface="Consolas" panose="020B0609020204030204" pitchFamily="49" charset="0"/>
+              </a:rPr>
+              <a:t>mobileno</a:t>
+            </a:r>
+            <a:r>
+              <a:rPr lang="fr-FR" altLang="fr-FR" sz="1000" dirty="0">
+                <a:solidFill>
+                  <a:srgbClr val="CE9178"/>
+                </a:solidFill>
+                <a:latin typeface="Consolas" panose="020B0609020204030204" pitchFamily="49" charset="0"/>
+              </a:rPr>
+              <a:t>,:email,:</a:t>
+            </a:r>
+            <a:r>
+              <a:rPr lang="fr-FR" altLang="fr-FR" sz="1000" dirty="0" err="1">
                 <a:solidFill>
                   <a:srgbClr val="569CD6"/>
                 </a:solidFill>
@@ -29129,7 +29659,7 @@
               <a:t>password</a:t>
             </a:r>
             <a:r>
-              <a:rPr lang="fr-FR" altLang="fr-FR" sz="1000">
+              <a:rPr lang="fr-FR" altLang="fr-FR" sz="1000" dirty="0">
                 <a:solidFill>
                   <a:srgbClr val="CE9178"/>
                 </a:solidFill>
@@ -29138,7 +29668,7 @@
               <a:t>,:</a:t>
             </a:r>
             <a:r>
-              <a:rPr lang="fr-FR" altLang="fr-FR" sz="1000">
+              <a:rPr lang="fr-FR" altLang="fr-FR" sz="1000" dirty="0" err="1">
                 <a:solidFill>
                   <a:srgbClr val="569CD6"/>
                 </a:solidFill>
@@ -29147,7 +29677,7 @@
               <a:t>status</a:t>
             </a:r>
             <a:r>
-              <a:rPr lang="fr-FR" altLang="fr-FR" sz="1000">
+              <a:rPr lang="fr-FR" altLang="fr-FR" sz="1000" dirty="0">
                 <a:solidFill>
                   <a:srgbClr val="CE9178"/>
                 </a:solidFill>
@@ -29156,7 +29686,7 @@
               <a:t>)"</a:t>
             </a:r>
             <a:r>
-              <a:rPr lang="fr-FR" altLang="fr-FR" sz="1000">
+              <a:rPr lang="fr-FR" altLang="fr-FR" sz="1000" dirty="0">
                 <a:solidFill>
                   <a:srgbClr val="D4D4D4"/>
                 </a:solidFill>
@@ -29167,16 +29697,25 @@
           </a:p>
           <a:p>
             <a:r>
-              <a:rPr lang="fr-FR" altLang="fr-FR" sz="1000">
+              <a:rPr lang="fr-FR" altLang="fr-FR" sz="1000" dirty="0">
                 <a:solidFill>
                   <a:srgbClr val="9CDCFE"/>
                 </a:solidFill>
                 <a:latin typeface="Consolas" panose="020B0609020204030204" pitchFamily="49" charset="0"/>
               </a:rPr>
-              <a:t>$query</a:t>
-            </a:r>
-            <a:r>
-              <a:rPr lang="fr-FR" altLang="fr-FR" sz="1000">
+              <a:t>$</a:t>
+            </a:r>
+            <a:r>
+              <a:rPr lang="fr-FR" altLang="fr-FR" sz="1000" dirty="0" err="1">
+                <a:solidFill>
+                  <a:srgbClr val="9CDCFE"/>
+                </a:solidFill>
+                <a:latin typeface="Consolas" panose="020B0609020204030204" pitchFamily="49" charset="0"/>
+              </a:rPr>
+              <a:t>query</a:t>
+            </a:r>
+            <a:r>
+              <a:rPr lang="fr-FR" altLang="fr-FR" sz="1000" dirty="0">
                 <a:solidFill>
                   <a:srgbClr val="D4D4D4"/>
                 </a:solidFill>
@@ -29185,16 +29724,25 @@
               <a:t> = </a:t>
             </a:r>
             <a:r>
-              <a:rPr lang="fr-FR" altLang="fr-FR" sz="1000">
+              <a:rPr lang="fr-FR" altLang="fr-FR" sz="1000" dirty="0">
                 <a:solidFill>
                   <a:srgbClr val="9CDCFE"/>
                 </a:solidFill>
                 <a:latin typeface="Consolas" panose="020B0609020204030204" pitchFamily="49" charset="0"/>
               </a:rPr>
-              <a:t>$dbh</a:t>
-            </a:r>
-            <a:r>
-              <a:rPr lang="fr-FR" altLang="fr-FR" sz="1000">
+              <a:t>$</a:t>
+            </a:r>
+            <a:r>
+              <a:rPr lang="fr-FR" altLang="fr-FR" sz="1000" dirty="0" err="1">
+                <a:solidFill>
+                  <a:srgbClr val="9CDCFE"/>
+                </a:solidFill>
+                <a:latin typeface="Consolas" panose="020B0609020204030204" pitchFamily="49" charset="0"/>
+              </a:rPr>
+              <a:t>dbh</a:t>
+            </a:r>
+            <a:r>
+              <a:rPr lang="fr-FR" altLang="fr-FR" sz="1000" dirty="0">
                 <a:solidFill>
                   <a:srgbClr val="D4D4D4"/>
                 </a:solidFill>
@@ -29203,7 +29751,7 @@
               <a:t>-&gt;</a:t>
             </a:r>
             <a:r>
-              <a:rPr lang="fr-FR" altLang="fr-FR" sz="1000">
+              <a:rPr lang="fr-FR" altLang="fr-FR" sz="1000" dirty="0" err="1">
                 <a:solidFill>
                   <a:srgbClr val="DCDCAA"/>
                 </a:solidFill>
@@ -29212,7 +29760,7 @@
               <a:t>prepare</a:t>
             </a:r>
             <a:r>
-              <a:rPr lang="fr-FR" altLang="fr-FR" sz="1000">
+              <a:rPr lang="fr-FR" altLang="fr-FR" sz="1000" dirty="0">
                 <a:solidFill>
                   <a:srgbClr val="D4D4D4"/>
                 </a:solidFill>
@@ -29221,16 +29769,25 @@
               <a:t>(</a:t>
             </a:r>
             <a:r>
-              <a:rPr lang="fr-FR" altLang="fr-FR" sz="1000">
+              <a:rPr lang="fr-FR" altLang="fr-FR" sz="1000" dirty="0">
                 <a:solidFill>
                   <a:srgbClr val="9CDCFE"/>
                 </a:solidFill>
                 <a:latin typeface="Consolas" panose="020B0609020204030204" pitchFamily="49" charset="0"/>
               </a:rPr>
-              <a:t>$sql</a:t>
-            </a:r>
-            <a:r>
-              <a:rPr lang="fr-FR" altLang="fr-FR" sz="1000">
+              <a:t>$</a:t>
+            </a:r>
+            <a:r>
+              <a:rPr lang="fr-FR" altLang="fr-FR" sz="1000" dirty="0" err="1">
+                <a:solidFill>
+                  <a:srgbClr val="9CDCFE"/>
+                </a:solidFill>
+                <a:latin typeface="Consolas" panose="020B0609020204030204" pitchFamily="49" charset="0"/>
+              </a:rPr>
+              <a:t>sql</a:t>
+            </a:r>
+            <a:r>
+              <a:rPr lang="fr-FR" altLang="fr-FR" sz="1000" dirty="0">
                 <a:solidFill>
                   <a:srgbClr val="D4D4D4"/>
                 </a:solidFill>
@@ -29241,16 +29798,25 @@
           </a:p>
           <a:p>
             <a:r>
-              <a:rPr lang="fr-FR" altLang="fr-FR" sz="1000">
+              <a:rPr lang="fr-FR" altLang="fr-FR" sz="1000" dirty="0">
                 <a:solidFill>
                   <a:srgbClr val="9CDCFE"/>
                 </a:solidFill>
                 <a:latin typeface="Consolas" panose="020B0609020204030204" pitchFamily="49" charset="0"/>
               </a:rPr>
-              <a:t>$query</a:t>
-            </a:r>
-            <a:r>
-              <a:rPr lang="fr-FR" altLang="fr-FR" sz="1000">
+              <a:t>$</a:t>
+            </a:r>
+            <a:r>
+              <a:rPr lang="fr-FR" altLang="fr-FR" sz="1000" dirty="0" err="1">
+                <a:solidFill>
+                  <a:srgbClr val="9CDCFE"/>
+                </a:solidFill>
+                <a:latin typeface="Consolas" panose="020B0609020204030204" pitchFamily="49" charset="0"/>
+              </a:rPr>
+              <a:t>query</a:t>
+            </a:r>
+            <a:r>
+              <a:rPr lang="fr-FR" altLang="fr-FR" sz="1000" dirty="0">
                 <a:solidFill>
                   <a:srgbClr val="D4D4D4"/>
                 </a:solidFill>
@@ -29259,7 +29825,7 @@
               <a:t>-&gt;</a:t>
             </a:r>
             <a:r>
-              <a:rPr lang="fr-FR" altLang="fr-FR" sz="1000">
+              <a:rPr lang="fr-FR" altLang="fr-FR" sz="1000" dirty="0" err="1">
                 <a:solidFill>
                   <a:srgbClr val="DCDCAA"/>
                 </a:solidFill>
@@ -29268,7 +29834,7 @@
               <a:t>bindParam</a:t>
             </a:r>
             <a:r>
-              <a:rPr lang="fr-FR" altLang="fr-FR" sz="1000">
+              <a:rPr lang="fr-FR" altLang="fr-FR" sz="1000" dirty="0">
                 <a:solidFill>
                   <a:srgbClr val="D4D4D4"/>
                 </a:solidFill>
@@ -29277,16 +29843,34 @@
               <a:t>(</a:t>
             </a:r>
             <a:r>
-              <a:rPr lang="fr-FR" altLang="fr-FR" sz="1000">
+              <a:rPr lang="fr-FR" altLang="fr-FR" sz="1000" dirty="0">
                 <a:solidFill>
                   <a:srgbClr val="CE9178"/>
                 </a:solidFill>
                 <a:latin typeface="Consolas" panose="020B0609020204030204" pitchFamily="49" charset="0"/>
               </a:rPr>
-              <a:t>':StudentId'</a:t>
-            </a:r>
-            <a:r>
-              <a:rPr lang="fr-FR" altLang="fr-FR" sz="1000">
+              <a:t>':</a:t>
+            </a:r>
+            <a:r>
+              <a:rPr lang="fr-FR" altLang="fr-FR" sz="1000" dirty="0" err="1">
+                <a:solidFill>
+                  <a:srgbClr val="CE9178"/>
+                </a:solidFill>
+                <a:latin typeface="Consolas" panose="020B0609020204030204" pitchFamily="49" charset="0"/>
+              </a:rPr>
+              <a:t>StudentId</a:t>
+            </a:r>
+            <a:r>
+              <a:rPr lang="fr-FR" altLang="fr-FR" sz="1000" dirty="0">
+                <a:solidFill>
+                  <a:srgbClr val="CE9178"/>
+                </a:solidFill>
+                <a:latin typeface="Consolas" panose="020B0609020204030204" pitchFamily="49" charset="0"/>
+              </a:rPr>
+              <a:t>'</a:t>
+            </a:r>
+            <a:r>
+              <a:rPr lang="fr-FR" altLang="fr-FR" sz="1000" dirty="0">
                 <a:solidFill>
                   <a:srgbClr val="D4D4D4"/>
                 </a:solidFill>
@@ -29295,16 +29879,25 @@
               <a:t>,</a:t>
             </a:r>
             <a:r>
-              <a:rPr lang="fr-FR" altLang="fr-FR" sz="1000">
+              <a:rPr lang="fr-FR" altLang="fr-FR" sz="1000" dirty="0">
                 <a:solidFill>
                   <a:srgbClr val="9CDCFE"/>
                 </a:solidFill>
                 <a:latin typeface="Consolas" panose="020B0609020204030204" pitchFamily="49" charset="0"/>
               </a:rPr>
-              <a:t>$StudentId</a:t>
-            </a:r>
-            <a:r>
-              <a:rPr lang="fr-FR" altLang="fr-FR" sz="1000">
+              <a:t>$</a:t>
+            </a:r>
+            <a:r>
+              <a:rPr lang="fr-FR" altLang="fr-FR" sz="1000" dirty="0" err="1">
+                <a:solidFill>
+                  <a:srgbClr val="9CDCFE"/>
+                </a:solidFill>
+                <a:latin typeface="Consolas" panose="020B0609020204030204" pitchFamily="49" charset="0"/>
+              </a:rPr>
+              <a:t>StudentId</a:t>
+            </a:r>
+            <a:r>
+              <a:rPr lang="fr-FR" altLang="fr-FR" sz="1000" dirty="0" err="1">
                 <a:solidFill>
                   <a:srgbClr val="D4D4D4"/>
                 </a:solidFill>
@@ -29313,7 +29906,7 @@
               <a:t>,</a:t>
             </a:r>
             <a:r>
-              <a:rPr lang="fr-FR" altLang="fr-FR" sz="1000">
+              <a:rPr lang="fr-FR" altLang="fr-FR" sz="1000" dirty="0" err="1">
                 <a:solidFill>
                   <a:srgbClr val="4EC9B0"/>
                 </a:solidFill>
@@ -29322,7 +29915,7 @@
               <a:t>PDO</a:t>
             </a:r>
             <a:r>
-              <a:rPr lang="fr-FR" altLang="fr-FR" sz="1000">
+              <a:rPr lang="fr-FR" altLang="fr-FR" sz="1000" dirty="0">
                 <a:solidFill>
                   <a:srgbClr val="D4D4D4"/>
                 </a:solidFill>
@@ -29333,16 +29926,25 @@
           </a:p>
           <a:p>
             <a:r>
-              <a:rPr lang="fr-FR" altLang="fr-FR" sz="1000">
+              <a:rPr lang="fr-FR" altLang="fr-FR" sz="1000" dirty="0">
                 <a:solidFill>
                   <a:srgbClr val="9CDCFE"/>
                 </a:solidFill>
                 <a:latin typeface="Consolas" panose="020B0609020204030204" pitchFamily="49" charset="0"/>
               </a:rPr>
-              <a:t>$query</a:t>
-            </a:r>
-            <a:r>
-              <a:rPr lang="fr-FR" altLang="fr-FR" sz="1000">
+              <a:t>$</a:t>
+            </a:r>
+            <a:r>
+              <a:rPr lang="fr-FR" altLang="fr-FR" sz="1000" dirty="0" err="1">
+                <a:solidFill>
+                  <a:srgbClr val="9CDCFE"/>
+                </a:solidFill>
+                <a:latin typeface="Consolas" panose="020B0609020204030204" pitchFamily="49" charset="0"/>
+              </a:rPr>
+              <a:t>query</a:t>
+            </a:r>
+            <a:r>
+              <a:rPr lang="fr-FR" altLang="fr-FR" sz="1000" dirty="0">
                 <a:solidFill>
                   <a:srgbClr val="D4D4D4"/>
                 </a:solidFill>
@@ -29351,7 +29953,7 @@
               <a:t>-&gt;</a:t>
             </a:r>
             <a:r>
-              <a:rPr lang="fr-FR" altLang="fr-FR" sz="1000">
+              <a:rPr lang="fr-FR" altLang="fr-FR" sz="1000" dirty="0" err="1">
                 <a:solidFill>
                   <a:srgbClr val="DCDCAA"/>
                 </a:solidFill>
@@ -29360,7 +29962,7 @@
               <a:t>bindParam</a:t>
             </a:r>
             <a:r>
-              <a:rPr lang="fr-FR" altLang="fr-FR" sz="1000">
+              <a:rPr lang="fr-FR" altLang="fr-FR" sz="1000" dirty="0">
                 <a:solidFill>
                   <a:srgbClr val="D4D4D4"/>
                 </a:solidFill>
@@ -29369,16 +29971,34 @@
               <a:t>(</a:t>
             </a:r>
             <a:r>
-              <a:rPr lang="fr-FR" altLang="fr-FR" sz="1000">
+              <a:rPr lang="fr-FR" altLang="fr-FR" sz="1000" dirty="0">
                 <a:solidFill>
                   <a:srgbClr val="CE9178"/>
                 </a:solidFill>
                 <a:latin typeface="Consolas" panose="020B0609020204030204" pitchFamily="49" charset="0"/>
               </a:rPr>
-              <a:t>':fname'</a:t>
-            </a:r>
-            <a:r>
-              <a:rPr lang="fr-FR" altLang="fr-FR" sz="1000">
+              <a:t>':</a:t>
+            </a:r>
+            <a:r>
+              <a:rPr lang="fr-FR" altLang="fr-FR" sz="1000" dirty="0" err="1">
+                <a:solidFill>
+                  <a:srgbClr val="CE9178"/>
+                </a:solidFill>
+                <a:latin typeface="Consolas" panose="020B0609020204030204" pitchFamily="49" charset="0"/>
+              </a:rPr>
+              <a:t>fname</a:t>
+            </a:r>
+            <a:r>
+              <a:rPr lang="fr-FR" altLang="fr-FR" sz="1000" dirty="0">
+                <a:solidFill>
+                  <a:srgbClr val="CE9178"/>
+                </a:solidFill>
+                <a:latin typeface="Consolas" panose="020B0609020204030204" pitchFamily="49" charset="0"/>
+              </a:rPr>
+              <a:t>'</a:t>
+            </a:r>
+            <a:r>
+              <a:rPr lang="fr-FR" altLang="fr-FR" sz="1000" dirty="0">
                 <a:solidFill>
                   <a:srgbClr val="D4D4D4"/>
                 </a:solidFill>
@@ -29387,16 +30007,25 @@
               <a:t>,</a:t>
             </a:r>
             <a:r>
-              <a:rPr lang="fr-FR" altLang="fr-FR" sz="1000">
+              <a:rPr lang="fr-FR" altLang="fr-FR" sz="1000" dirty="0">
                 <a:solidFill>
                   <a:srgbClr val="9CDCFE"/>
                 </a:solidFill>
                 <a:latin typeface="Consolas" panose="020B0609020204030204" pitchFamily="49" charset="0"/>
               </a:rPr>
-              <a:t>$fname</a:t>
-            </a:r>
-            <a:r>
-              <a:rPr lang="fr-FR" altLang="fr-FR" sz="1000">
+              <a:t>$</a:t>
+            </a:r>
+            <a:r>
+              <a:rPr lang="fr-FR" altLang="fr-FR" sz="1000" dirty="0" err="1">
+                <a:solidFill>
+                  <a:srgbClr val="9CDCFE"/>
+                </a:solidFill>
+                <a:latin typeface="Consolas" panose="020B0609020204030204" pitchFamily="49" charset="0"/>
+              </a:rPr>
+              <a:t>fname</a:t>
+            </a:r>
+            <a:r>
+              <a:rPr lang="fr-FR" altLang="fr-FR" sz="1000" dirty="0" err="1">
                 <a:solidFill>
                   <a:srgbClr val="D4D4D4"/>
                 </a:solidFill>
@@ -29405,7 +30034,7 @@
               <a:t>,</a:t>
             </a:r>
             <a:r>
-              <a:rPr lang="fr-FR" altLang="fr-FR" sz="1000">
+              <a:rPr lang="fr-FR" altLang="fr-FR" sz="1000" dirty="0" err="1">
                 <a:solidFill>
                   <a:srgbClr val="4EC9B0"/>
                 </a:solidFill>
@@ -29414,7 +30043,7 @@
               <a:t>PDO</a:t>
             </a:r>
             <a:r>
-              <a:rPr lang="fr-FR" altLang="fr-FR" sz="1000">
+              <a:rPr lang="fr-FR" altLang="fr-FR" sz="1000" dirty="0">
                 <a:solidFill>
                   <a:srgbClr val="D4D4D4"/>
                 </a:solidFill>
@@ -29425,16 +30054,25 @@
           </a:p>
           <a:p>
             <a:r>
-              <a:rPr lang="fr-FR" altLang="fr-FR" sz="1000">
+              <a:rPr lang="fr-FR" altLang="fr-FR" sz="1000" dirty="0">
                 <a:solidFill>
                   <a:srgbClr val="9CDCFE"/>
                 </a:solidFill>
                 <a:latin typeface="Consolas" panose="020B0609020204030204" pitchFamily="49" charset="0"/>
               </a:rPr>
-              <a:t>$query</a:t>
-            </a:r>
-            <a:r>
-              <a:rPr lang="fr-FR" altLang="fr-FR" sz="1000">
+              <a:t>$</a:t>
+            </a:r>
+            <a:r>
+              <a:rPr lang="fr-FR" altLang="fr-FR" sz="1000" dirty="0" err="1">
+                <a:solidFill>
+                  <a:srgbClr val="9CDCFE"/>
+                </a:solidFill>
+                <a:latin typeface="Consolas" panose="020B0609020204030204" pitchFamily="49" charset="0"/>
+              </a:rPr>
+              <a:t>query</a:t>
+            </a:r>
+            <a:r>
+              <a:rPr lang="fr-FR" altLang="fr-FR" sz="1000" dirty="0">
                 <a:solidFill>
                   <a:srgbClr val="D4D4D4"/>
                 </a:solidFill>
@@ -29443,7 +30081,7 @@
               <a:t>-&gt;</a:t>
             </a:r>
             <a:r>
-              <a:rPr lang="fr-FR" altLang="fr-FR" sz="1000">
+              <a:rPr lang="fr-FR" altLang="fr-FR" sz="1000" dirty="0" err="1">
                 <a:solidFill>
                   <a:srgbClr val="DCDCAA"/>
                 </a:solidFill>
@@ -29452,7 +30090,7 @@
               <a:t>bindParam</a:t>
             </a:r>
             <a:r>
-              <a:rPr lang="fr-FR" altLang="fr-FR" sz="1000">
+              <a:rPr lang="fr-FR" altLang="fr-FR" sz="1000" dirty="0">
                 <a:solidFill>
                   <a:srgbClr val="D4D4D4"/>
                 </a:solidFill>
@@ -29461,16 +30099,34 @@
               <a:t>(</a:t>
             </a:r>
             <a:r>
-              <a:rPr lang="fr-FR" altLang="fr-FR" sz="1000">
+              <a:rPr lang="fr-FR" altLang="fr-FR" sz="1000" dirty="0">
                 <a:solidFill>
                   <a:srgbClr val="CE9178"/>
                 </a:solidFill>
                 <a:latin typeface="Consolas" panose="020B0609020204030204" pitchFamily="49" charset="0"/>
               </a:rPr>
-              <a:t>':mobileno'</a:t>
-            </a:r>
-            <a:r>
-              <a:rPr lang="fr-FR" altLang="fr-FR" sz="1000">
+              <a:t>':</a:t>
+            </a:r>
+            <a:r>
+              <a:rPr lang="fr-FR" altLang="fr-FR" sz="1000" dirty="0" err="1">
+                <a:solidFill>
+                  <a:srgbClr val="CE9178"/>
+                </a:solidFill>
+                <a:latin typeface="Consolas" panose="020B0609020204030204" pitchFamily="49" charset="0"/>
+              </a:rPr>
+              <a:t>mobileno</a:t>
+            </a:r>
+            <a:r>
+              <a:rPr lang="fr-FR" altLang="fr-FR" sz="1000" dirty="0">
+                <a:solidFill>
+                  <a:srgbClr val="CE9178"/>
+                </a:solidFill>
+                <a:latin typeface="Consolas" panose="020B0609020204030204" pitchFamily="49" charset="0"/>
+              </a:rPr>
+              <a:t>'</a:t>
+            </a:r>
+            <a:r>
+              <a:rPr lang="fr-FR" altLang="fr-FR" sz="1000" dirty="0">
                 <a:solidFill>
                   <a:srgbClr val="D4D4D4"/>
                 </a:solidFill>
@@ -29479,16 +30135,25 @@
               <a:t>,</a:t>
             </a:r>
             <a:r>
-              <a:rPr lang="fr-FR" altLang="fr-FR" sz="1000">
+              <a:rPr lang="fr-FR" altLang="fr-FR" sz="1000" dirty="0">
                 <a:solidFill>
                   <a:srgbClr val="9CDCFE"/>
                 </a:solidFill>
                 <a:latin typeface="Consolas" panose="020B0609020204030204" pitchFamily="49" charset="0"/>
               </a:rPr>
-              <a:t>$mobileno</a:t>
-            </a:r>
-            <a:r>
-              <a:rPr lang="fr-FR" altLang="fr-FR" sz="1000">
+              <a:t>$</a:t>
+            </a:r>
+            <a:r>
+              <a:rPr lang="fr-FR" altLang="fr-FR" sz="1000" dirty="0" err="1">
+                <a:solidFill>
+                  <a:srgbClr val="9CDCFE"/>
+                </a:solidFill>
+                <a:latin typeface="Consolas" panose="020B0609020204030204" pitchFamily="49" charset="0"/>
+              </a:rPr>
+              <a:t>mobileno</a:t>
+            </a:r>
+            <a:r>
+              <a:rPr lang="fr-FR" altLang="fr-FR" sz="1000" dirty="0" err="1">
                 <a:solidFill>
                   <a:srgbClr val="D4D4D4"/>
                 </a:solidFill>
@@ -29497,7 +30162,7 @@
               <a:t>,</a:t>
             </a:r>
             <a:r>
-              <a:rPr lang="fr-FR" altLang="fr-FR" sz="1000">
+              <a:rPr lang="fr-FR" altLang="fr-FR" sz="1000" dirty="0" err="1">
                 <a:solidFill>
                   <a:srgbClr val="4EC9B0"/>
                 </a:solidFill>
@@ -29506,7 +30171,7 @@
               <a:t>PDO</a:t>
             </a:r>
             <a:r>
-              <a:rPr lang="fr-FR" altLang="fr-FR" sz="1000">
+              <a:rPr lang="fr-FR" altLang="fr-FR" sz="1000" dirty="0">
                 <a:solidFill>
                   <a:srgbClr val="D4D4D4"/>
                 </a:solidFill>
@@ -29517,16 +30182,25 @@
           </a:p>
           <a:p>
             <a:r>
-              <a:rPr lang="fr-FR" altLang="fr-FR" sz="1000">
+              <a:rPr lang="fr-FR" altLang="fr-FR" sz="1000" dirty="0">
                 <a:solidFill>
                   <a:srgbClr val="9CDCFE"/>
                 </a:solidFill>
                 <a:latin typeface="Consolas" panose="020B0609020204030204" pitchFamily="49" charset="0"/>
               </a:rPr>
-              <a:t>$query</a:t>
-            </a:r>
-            <a:r>
-              <a:rPr lang="fr-FR" altLang="fr-FR" sz="1000">
+              <a:t>$</a:t>
+            </a:r>
+            <a:r>
+              <a:rPr lang="fr-FR" altLang="fr-FR" sz="1000" dirty="0" err="1">
+                <a:solidFill>
+                  <a:srgbClr val="9CDCFE"/>
+                </a:solidFill>
+                <a:latin typeface="Consolas" panose="020B0609020204030204" pitchFamily="49" charset="0"/>
+              </a:rPr>
+              <a:t>query</a:t>
+            </a:r>
+            <a:r>
+              <a:rPr lang="fr-FR" altLang="fr-FR" sz="1000" dirty="0">
                 <a:solidFill>
                   <a:srgbClr val="D4D4D4"/>
                 </a:solidFill>
@@ -29535,7 +30209,7 @@
               <a:t>-&gt;</a:t>
             </a:r>
             <a:r>
-              <a:rPr lang="fr-FR" altLang="fr-FR" sz="1000">
+              <a:rPr lang="fr-FR" altLang="fr-FR" sz="1000" dirty="0" err="1">
                 <a:solidFill>
                   <a:srgbClr val="DCDCAA"/>
                 </a:solidFill>
@@ -29544,7 +30218,7 @@
               <a:t>bindParam</a:t>
             </a:r>
             <a:r>
-              <a:rPr lang="fr-FR" altLang="fr-FR" sz="1000">
+              <a:rPr lang="fr-FR" altLang="fr-FR" sz="1000" dirty="0">
                 <a:solidFill>
                   <a:srgbClr val="D4D4D4"/>
                 </a:solidFill>
@@ -29553,7 +30227,7 @@
               <a:t>(</a:t>
             </a:r>
             <a:r>
-              <a:rPr lang="fr-FR" altLang="fr-FR" sz="1000">
+              <a:rPr lang="fr-FR" altLang="fr-FR" sz="1000" dirty="0">
                 <a:solidFill>
                   <a:srgbClr val="CE9178"/>
                 </a:solidFill>
@@ -29562,7 +30236,7 @@
               <a:t>':email'</a:t>
             </a:r>
             <a:r>
-              <a:rPr lang="fr-FR" altLang="fr-FR" sz="1000">
+              <a:rPr lang="fr-FR" altLang="fr-FR" sz="1000" dirty="0">
                 <a:solidFill>
                   <a:srgbClr val="D4D4D4"/>
                 </a:solidFill>
@@ -29571,16 +30245,25 @@
               <a:t>,</a:t>
             </a:r>
             <a:r>
-              <a:rPr lang="fr-FR" altLang="fr-FR" sz="1000">
+              <a:rPr lang="fr-FR" altLang="fr-FR" sz="1000" dirty="0">
                 <a:solidFill>
                   <a:srgbClr val="9CDCFE"/>
                 </a:solidFill>
                 <a:latin typeface="Consolas" panose="020B0609020204030204" pitchFamily="49" charset="0"/>
               </a:rPr>
-              <a:t>$email</a:t>
-            </a:r>
-            <a:r>
-              <a:rPr lang="fr-FR" altLang="fr-FR" sz="1000">
+              <a:t>$</a:t>
+            </a:r>
+            <a:r>
+              <a:rPr lang="fr-FR" altLang="fr-FR" sz="1000" dirty="0" err="1">
+                <a:solidFill>
+                  <a:srgbClr val="9CDCFE"/>
+                </a:solidFill>
+                <a:latin typeface="Consolas" panose="020B0609020204030204" pitchFamily="49" charset="0"/>
+              </a:rPr>
+              <a:t>email</a:t>
+            </a:r>
+            <a:r>
+              <a:rPr lang="fr-FR" altLang="fr-FR" sz="1000" dirty="0" err="1">
                 <a:solidFill>
                   <a:srgbClr val="D4D4D4"/>
                 </a:solidFill>
@@ -29589,7 +30272,7 @@
               <a:t>,</a:t>
             </a:r>
             <a:r>
-              <a:rPr lang="fr-FR" altLang="fr-FR" sz="1000">
+              <a:rPr lang="fr-FR" altLang="fr-FR" sz="1000" dirty="0" err="1">
                 <a:solidFill>
                   <a:srgbClr val="4EC9B0"/>
                 </a:solidFill>
@@ -29598,7 +30281,7 @@
               <a:t>PDO</a:t>
             </a:r>
             <a:r>
-              <a:rPr lang="fr-FR" altLang="fr-FR" sz="1000">
+              <a:rPr lang="fr-FR" altLang="fr-FR" sz="1000" dirty="0">
                 <a:solidFill>
                   <a:srgbClr val="D4D4D4"/>
                 </a:solidFill>
@@ -29609,16 +30292,25 @@
           </a:p>
           <a:p>
             <a:r>
-              <a:rPr lang="fr-FR" altLang="fr-FR" sz="1000">
+              <a:rPr lang="fr-FR" altLang="fr-FR" sz="1000" dirty="0">
                 <a:solidFill>
                   <a:srgbClr val="9CDCFE"/>
                 </a:solidFill>
                 <a:latin typeface="Consolas" panose="020B0609020204030204" pitchFamily="49" charset="0"/>
               </a:rPr>
-              <a:t>$query</a:t>
-            </a:r>
-            <a:r>
-              <a:rPr lang="fr-FR" altLang="fr-FR" sz="1000">
+              <a:t>$</a:t>
+            </a:r>
+            <a:r>
+              <a:rPr lang="fr-FR" altLang="fr-FR" sz="1000" dirty="0" err="1">
+                <a:solidFill>
+                  <a:srgbClr val="9CDCFE"/>
+                </a:solidFill>
+                <a:latin typeface="Consolas" panose="020B0609020204030204" pitchFamily="49" charset="0"/>
+              </a:rPr>
+              <a:t>query</a:t>
+            </a:r>
+            <a:r>
+              <a:rPr lang="fr-FR" altLang="fr-FR" sz="1000" dirty="0">
                 <a:solidFill>
                   <a:srgbClr val="D4D4D4"/>
                 </a:solidFill>
@@ -29627,7 +30319,7 @@
               <a:t>-&gt;</a:t>
             </a:r>
             <a:r>
-              <a:rPr lang="fr-FR" altLang="fr-FR" sz="1000">
+              <a:rPr lang="fr-FR" altLang="fr-FR" sz="1000" dirty="0" err="1">
                 <a:solidFill>
                   <a:srgbClr val="DCDCAA"/>
                 </a:solidFill>
@@ -29636,7 +30328,7 @@
               <a:t>bindParam</a:t>
             </a:r>
             <a:r>
-              <a:rPr lang="fr-FR" altLang="fr-FR" sz="1000">
+              <a:rPr lang="fr-FR" altLang="fr-FR" sz="1000" dirty="0">
                 <a:solidFill>
                   <a:srgbClr val="D4D4D4"/>
                 </a:solidFill>
@@ -29645,16 +30337,34 @@
               <a:t>(</a:t>
             </a:r>
             <a:r>
-              <a:rPr lang="fr-FR" altLang="fr-FR" sz="1000">
+              <a:rPr lang="fr-FR" altLang="fr-FR" sz="1000" dirty="0">
                 <a:solidFill>
                   <a:srgbClr val="CE9178"/>
                 </a:solidFill>
                 <a:latin typeface="Consolas" panose="020B0609020204030204" pitchFamily="49" charset="0"/>
               </a:rPr>
-              <a:t>':password'</a:t>
-            </a:r>
-            <a:r>
-              <a:rPr lang="fr-FR" altLang="fr-FR" sz="1000">
+              <a:t>':</a:t>
+            </a:r>
+            <a:r>
+              <a:rPr lang="fr-FR" altLang="fr-FR" sz="1000" dirty="0" err="1">
+                <a:solidFill>
+                  <a:srgbClr val="CE9178"/>
+                </a:solidFill>
+                <a:latin typeface="Consolas" panose="020B0609020204030204" pitchFamily="49" charset="0"/>
+              </a:rPr>
+              <a:t>password</a:t>
+            </a:r>
+            <a:r>
+              <a:rPr lang="fr-FR" altLang="fr-FR" sz="1000" dirty="0">
+                <a:solidFill>
+                  <a:srgbClr val="CE9178"/>
+                </a:solidFill>
+                <a:latin typeface="Consolas" panose="020B0609020204030204" pitchFamily="49" charset="0"/>
+              </a:rPr>
+              <a:t>'</a:t>
+            </a:r>
+            <a:r>
+              <a:rPr lang="fr-FR" altLang="fr-FR" sz="1000" dirty="0">
                 <a:solidFill>
                   <a:srgbClr val="D4D4D4"/>
                 </a:solidFill>
@@ -29663,16 +30373,25 @@
               <a:t>,</a:t>
             </a:r>
             <a:r>
-              <a:rPr lang="fr-FR" altLang="fr-FR" sz="1000">
+              <a:rPr lang="fr-FR" altLang="fr-FR" sz="1000" dirty="0">
                 <a:solidFill>
                   <a:srgbClr val="9CDCFE"/>
                 </a:solidFill>
                 <a:latin typeface="Consolas" panose="020B0609020204030204" pitchFamily="49" charset="0"/>
               </a:rPr>
-              <a:t>$password</a:t>
-            </a:r>
-            <a:r>
-              <a:rPr lang="fr-FR" altLang="fr-FR" sz="1000">
+              <a:t>$</a:t>
+            </a:r>
+            <a:r>
+              <a:rPr lang="fr-FR" altLang="fr-FR" sz="1000" dirty="0" err="1">
+                <a:solidFill>
+                  <a:srgbClr val="9CDCFE"/>
+                </a:solidFill>
+                <a:latin typeface="Consolas" panose="020B0609020204030204" pitchFamily="49" charset="0"/>
+              </a:rPr>
+              <a:t>password</a:t>
+            </a:r>
+            <a:r>
+              <a:rPr lang="fr-FR" altLang="fr-FR" sz="1000" dirty="0" err="1">
                 <a:solidFill>
                   <a:srgbClr val="D4D4D4"/>
                 </a:solidFill>
@@ -29681,7 +30400,7 @@
               <a:t>,</a:t>
             </a:r>
             <a:r>
-              <a:rPr lang="fr-FR" altLang="fr-FR" sz="1000">
+              <a:rPr lang="fr-FR" altLang="fr-FR" sz="1000" dirty="0" err="1">
                 <a:solidFill>
                   <a:srgbClr val="4EC9B0"/>
                 </a:solidFill>
@@ -29690,7 +30409,7 @@
               <a:t>PDO</a:t>
             </a:r>
             <a:r>
-              <a:rPr lang="fr-FR" altLang="fr-FR" sz="1000">
+              <a:rPr lang="fr-FR" altLang="fr-FR" sz="1000" dirty="0">
                 <a:solidFill>
                   <a:srgbClr val="D4D4D4"/>
                 </a:solidFill>
@@ -29701,16 +30420,25 @@
           </a:p>
           <a:p>
             <a:r>
-              <a:rPr lang="fr-FR" altLang="fr-FR" sz="1000">
+              <a:rPr lang="fr-FR" altLang="fr-FR" sz="1000" dirty="0">
                 <a:solidFill>
                   <a:srgbClr val="9CDCFE"/>
                 </a:solidFill>
                 <a:latin typeface="Consolas" panose="020B0609020204030204" pitchFamily="49" charset="0"/>
               </a:rPr>
-              <a:t>$query</a:t>
-            </a:r>
-            <a:r>
-              <a:rPr lang="fr-FR" altLang="fr-FR" sz="1000">
+              <a:t>$</a:t>
+            </a:r>
+            <a:r>
+              <a:rPr lang="fr-FR" altLang="fr-FR" sz="1000" dirty="0" err="1">
+                <a:solidFill>
+                  <a:srgbClr val="9CDCFE"/>
+                </a:solidFill>
+                <a:latin typeface="Consolas" panose="020B0609020204030204" pitchFamily="49" charset="0"/>
+              </a:rPr>
+              <a:t>query</a:t>
+            </a:r>
+            <a:r>
+              <a:rPr lang="fr-FR" altLang="fr-FR" sz="1000" dirty="0">
                 <a:solidFill>
                   <a:srgbClr val="D4D4D4"/>
                 </a:solidFill>
@@ -29719,7 +30447,7 @@
               <a:t>-&gt;</a:t>
             </a:r>
             <a:r>
-              <a:rPr lang="fr-FR" altLang="fr-FR" sz="1000">
+              <a:rPr lang="fr-FR" altLang="fr-FR" sz="1000" dirty="0" err="1">
                 <a:solidFill>
                   <a:srgbClr val="DCDCAA"/>
                 </a:solidFill>
@@ -29728,7 +30456,7 @@
               <a:t>bindParam</a:t>
             </a:r>
             <a:r>
-              <a:rPr lang="fr-FR" altLang="fr-FR" sz="1000">
+              <a:rPr lang="fr-FR" altLang="fr-FR" sz="1000" dirty="0">
                 <a:solidFill>
                   <a:srgbClr val="D4D4D4"/>
                 </a:solidFill>
@@ -29737,16 +30465,34 @@
               <a:t>(</a:t>
             </a:r>
             <a:r>
-              <a:rPr lang="fr-FR" altLang="fr-FR" sz="1000">
+              <a:rPr lang="fr-FR" altLang="fr-FR" sz="1000" dirty="0">
                 <a:solidFill>
                   <a:srgbClr val="CE9178"/>
                 </a:solidFill>
                 <a:latin typeface="Consolas" panose="020B0609020204030204" pitchFamily="49" charset="0"/>
               </a:rPr>
-              <a:t>':status'</a:t>
-            </a:r>
-            <a:r>
-              <a:rPr lang="fr-FR" altLang="fr-FR" sz="1000">
+              <a:t>':</a:t>
+            </a:r>
+            <a:r>
+              <a:rPr lang="fr-FR" altLang="fr-FR" sz="1000" dirty="0" err="1">
+                <a:solidFill>
+                  <a:srgbClr val="CE9178"/>
+                </a:solidFill>
+                <a:latin typeface="Consolas" panose="020B0609020204030204" pitchFamily="49" charset="0"/>
+              </a:rPr>
+              <a:t>status</a:t>
+            </a:r>
+            <a:r>
+              <a:rPr lang="fr-FR" altLang="fr-FR" sz="1000" dirty="0">
+                <a:solidFill>
+                  <a:srgbClr val="CE9178"/>
+                </a:solidFill>
+                <a:latin typeface="Consolas" panose="020B0609020204030204" pitchFamily="49" charset="0"/>
+              </a:rPr>
+              <a:t>'</a:t>
+            </a:r>
+            <a:r>
+              <a:rPr lang="fr-FR" altLang="fr-FR" sz="1000" dirty="0">
                 <a:solidFill>
                   <a:srgbClr val="D4D4D4"/>
                 </a:solidFill>
@@ -29755,16 +30501,25 @@
               <a:t>,</a:t>
             </a:r>
             <a:r>
-              <a:rPr lang="fr-FR" altLang="fr-FR" sz="1000">
+              <a:rPr lang="fr-FR" altLang="fr-FR" sz="1000" dirty="0">
                 <a:solidFill>
                   <a:srgbClr val="9CDCFE"/>
                 </a:solidFill>
                 <a:latin typeface="Consolas" panose="020B0609020204030204" pitchFamily="49" charset="0"/>
               </a:rPr>
-              <a:t>$status</a:t>
-            </a:r>
-            <a:r>
-              <a:rPr lang="fr-FR" altLang="fr-FR" sz="1000">
+              <a:t>$</a:t>
+            </a:r>
+            <a:r>
+              <a:rPr lang="fr-FR" altLang="fr-FR" sz="1000" dirty="0" err="1">
+                <a:solidFill>
+                  <a:srgbClr val="9CDCFE"/>
+                </a:solidFill>
+                <a:latin typeface="Consolas" panose="020B0609020204030204" pitchFamily="49" charset="0"/>
+              </a:rPr>
+              <a:t>status</a:t>
+            </a:r>
+            <a:r>
+              <a:rPr lang="fr-FR" altLang="fr-FR" sz="1000" dirty="0" err="1">
                 <a:solidFill>
                   <a:srgbClr val="D4D4D4"/>
                 </a:solidFill>
@@ -29773,7 +30528,7 @@
               <a:t>,</a:t>
             </a:r>
             <a:r>
-              <a:rPr lang="fr-FR" altLang="fr-FR" sz="1000">
+              <a:rPr lang="fr-FR" altLang="fr-FR" sz="1000" dirty="0" err="1">
                 <a:solidFill>
                   <a:srgbClr val="4EC9B0"/>
                 </a:solidFill>
@@ -29782,7 +30537,7 @@
               <a:t>PDO</a:t>
             </a:r>
             <a:r>
-              <a:rPr lang="fr-FR" altLang="fr-FR" sz="1000">
+              <a:rPr lang="fr-FR" altLang="fr-FR" sz="1000" dirty="0">
                 <a:solidFill>
                   <a:srgbClr val="D4D4D4"/>
                 </a:solidFill>
@@ -29793,16 +30548,25 @@
           </a:p>
           <a:p>
             <a:r>
-              <a:rPr lang="fr-FR" altLang="fr-FR" sz="1000">
+              <a:rPr lang="fr-FR" altLang="fr-FR" sz="1000" dirty="0">
                 <a:solidFill>
                   <a:srgbClr val="9CDCFE"/>
                 </a:solidFill>
                 <a:latin typeface="Consolas" panose="020B0609020204030204" pitchFamily="49" charset="0"/>
               </a:rPr>
-              <a:t>$query</a:t>
-            </a:r>
-            <a:r>
-              <a:rPr lang="fr-FR" altLang="fr-FR" sz="1000">
+              <a:t>$</a:t>
+            </a:r>
+            <a:r>
+              <a:rPr lang="fr-FR" altLang="fr-FR" sz="1000" dirty="0" err="1">
+                <a:solidFill>
+                  <a:srgbClr val="9CDCFE"/>
+                </a:solidFill>
+                <a:latin typeface="Consolas" panose="020B0609020204030204" pitchFamily="49" charset="0"/>
+              </a:rPr>
+              <a:t>query</a:t>
+            </a:r>
+            <a:r>
+              <a:rPr lang="fr-FR" altLang="fr-FR" sz="1000" dirty="0">
                 <a:solidFill>
                   <a:srgbClr val="D4D4D4"/>
                 </a:solidFill>
@@ -29811,7 +30575,7 @@
               <a:t>-&gt;</a:t>
             </a:r>
             <a:r>
-              <a:rPr lang="fr-FR" altLang="fr-FR" sz="1000">
+              <a:rPr lang="fr-FR" altLang="fr-FR" sz="1000" dirty="0" err="1">
                 <a:solidFill>
                   <a:srgbClr val="DCDCAA"/>
                 </a:solidFill>
@@ -29820,7 +30584,7 @@
               <a:t>execute</a:t>
             </a:r>
             <a:r>
-              <a:rPr lang="fr-FR" altLang="fr-FR" sz="1000">
+              <a:rPr lang="fr-FR" altLang="fr-FR" sz="1000" dirty="0">
                 <a:solidFill>
                   <a:srgbClr val="D4D4D4"/>
                 </a:solidFill>
@@ -29831,16 +30595,25 @@
           </a:p>
           <a:p>
             <a:r>
-              <a:rPr lang="fr-FR" altLang="fr-FR" sz="1000">
+              <a:rPr lang="fr-FR" altLang="fr-FR" sz="1000" dirty="0">
                 <a:solidFill>
                   <a:srgbClr val="9CDCFE"/>
                 </a:solidFill>
                 <a:latin typeface="Consolas" panose="020B0609020204030204" pitchFamily="49" charset="0"/>
               </a:rPr>
-              <a:t>$lastInsertId</a:t>
-            </a:r>
-            <a:r>
-              <a:rPr lang="fr-FR" altLang="fr-FR" sz="1000">
+              <a:t>$</a:t>
+            </a:r>
+            <a:r>
+              <a:rPr lang="fr-FR" altLang="fr-FR" sz="1000" dirty="0" err="1">
+                <a:solidFill>
+                  <a:srgbClr val="9CDCFE"/>
+                </a:solidFill>
+                <a:latin typeface="Consolas" panose="020B0609020204030204" pitchFamily="49" charset="0"/>
+              </a:rPr>
+              <a:t>lastInsertId</a:t>
+            </a:r>
+            <a:r>
+              <a:rPr lang="fr-FR" altLang="fr-FR" sz="1000" dirty="0">
                 <a:solidFill>
                   <a:srgbClr val="D4D4D4"/>
                 </a:solidFill>
@@ -29849,16 +30622,25 @@
               <a:t> = </a:t>
             </a:r>
             <a:r>
-              <a:rPr lang="fr-FR" altLang="fr-FR" sz="1000">
+              <a:rPr lang="fr-FR" altLang="fr-FR" sz="1000" dirty="0">
                 <a:solidFill>
                   <a:srgbClr val="9CDCFE"/>
                 </a:solidFill>
                 <a:latin typeface="Consolas" panose="020B0609020204030204" pitchFamily="49" charset="0"/>
               </a:rPr>
-              <a:t>$dbh</a:t>
-            </a:r>
-            <a:r>
-              <a:rPr lang="fr-FR" altLang="fr-FR" sz="1000">
+              <a:t>$</a:t>
+            </a:r>
+            <a:r>
+              <a:rPr lang="fr-FR" altLang="fr-FR" sz="1000" dirty="0" err="1">
+                <a:solidFill>
+                  <a:srgbClr val="9CDCFE"/>
+                </a:solidFill>
+                <a:latin typeface="Consolas" panose="020B0609020204030204" pitchFamily="49" charset="0"/>
+              </a:rPr>
+              <a:t>dbh</a:t>
+            </a:r>
+            <a:r>
+              <a:rPr lang="fr-FR" altLang="fr-FR" sz="1000" dirty="0">
                 <a:solidFill>
                   <a:srgbClr val="D4D4D4"/>
                 </a:solidFill>
@@ -29867,7 +30649,7 @@
               <a:t>-&gt;</a:t>
             </a:r>
             <a:r>
-              <a:rPr lang="fr-FR" altLang="fr-FR" sz="1000">
+              <a:rPr lang="fr-FR" altLang="fr-FR" sz="1000" dirty="0" err="1">
                 <a:solidFill>
                   <a:srgbClr val="DCDCAA"/>
                 </a:solidFill>
@@ -29876,7 +30658,7 @@
               <a:t>lastInsertId</a:t>
             </a:r>
             <a:r>
-              <a:rPr lang="fr-FR" altLang="fr-FR" sz="1000">
+              <a:rPr lang="fr-FR" altLang="fr-FR" sz="1000" dirty="0">
                 <a:solidFill>
                   <a:srgbClr val="D4D4D4"/>
                 </a:solidFill>
@@ -29887,16 +30669,16 @@
           </a:p>
           <a:p>
             <a:r>
-              <a:rPr lang="fr-FR" altLang="fr-FR" sz="1000">
+              <a:rPr lang="fr-FR" altLang="fr-FR" sz="1000" dirty="0">
                 <a:solidFill>
                   <a:srgbClr val="C586C0"/>
                 </a:solidFill>
                 <a:latin typeface="Consolas" panose="020B0609020204030204" pitchFamily="49" charset="0"/>
               </a:rPr>
-              <a:t>if</a:t>
-            </a:r>
-            <a:r>
-              <a:rPr lang="fr-FR" altLang="fr-FR" sz="1000">
+              <a:t>	if</a:t>
+            </a:r>
+            <a:r>
+              <a:rPr lang="fr-FR" altLang="fr-FR" sz="1000" dirty="0">
                 <a:solidFill>
                   <a:srgbClr val="D4D4D4"/>
                 </a:solidFill>
@@ -29905,16 +30687,25 @@
               <a:t>(</a:t>
             </a:r>
             <a:r>
-              <a:rPr lang="fr-FR" altLang="fr-FR" sz="1000">
+              <a:rPr lang="fr-FR" altLang="fr-FR" sz="1000" dirty="0">
                 <a:solidFill>
                   <a:srgbClr val="9CDCFE"/>
                 </a:solidFill>
                 <a:latin typeface="Consolas" panose="020B0609020204030204" pitchFamily="49" charset="0"/>
               </a:rPr>
-              <a:t>$lastInsertId</a:t>
-            </a:r>
-            <a:r>
-              <a:rPr lang="fr-FR" altLang="fr-FR" sz="1000">
+              <a:t>$</a:t>
+            </a:r>
+            <a:r>
+              <a:rPr lang="fr-FR" altLang="fr-FR" sz="1000" dirty="0" err="1">
+                <a:solidFill>
+                  <a:srgbClr val="9CDCFE"/>
+                </a:solidFill>
+                <a:latin typeface="Consolas" panose="020B0609020204030204" pitchFamily="49" charset="0"/>
+              </a:rPr>
+              <a:t>lastInsertId</a:t>
+            </a:r>
+            <a:r>
+              <a:rPr lang="fr-FR" altLang="fr-FR" sz="1000" dirty="0">
                 <a:solidFill>
                   <a:srgbClr val="D4D4D4"/>
                 </a:solidFill>
@@ -29925,27 +30716,36 @@
           </a:p>
           <a:p>
             <a:r>
-              <a:rPr lang="fr-FR" altLang="fr-FR" sz="1000">
-                <a:solidFill>
-                  <a:srgbClr val="D4D4D4"/>
-                </a:solidFill>
-                <a:latin typeface="Consolas" panose="020B0609020204030204" pitchFamily="49" charset="0"/>
-              </a:rPr>
-              <a:t>{</a:t>
-            </a:r>
-          </a:p>
-          <a:p>
-            <a:r>
-              <a:rPr lang="fr-FR" altLang="fr-FR" sz="1000">
+              <a:rPr lang="fr-FR" altLang="fr-FR" sz="1000" dirty="0">
+                <a:solidFill>
+                  <a:srgbClr val="D4D4D4"/>
+                </a:solidFill>
+                <a:latin typeface="Consolas" panose="020B0609020204030204" pitchFamily="49" charset="0"/>
+              </a:rPr>
+              <a:t>		{</a:t>
+            </a:r>
+          </a:p>
+          <a:p>
+            <a:r>
+              <a:rPr lang="fr-FR" altLang="fr-FR" sz="1000" dirty="0">
                 <a:solidFill>
                   <a:srgbClr val="DCDCAA"/>
                 </a:solidFill>
                 <a:latin typeface="Consolas" panose="020B0609020204030204" pitchFamily="49" charset="0"/>
               </a:rPr>
+              <a:t>		</a:t>
+            </a:r>
+            <a:r>
+              <a:rPr lang="fr-FR" altLang="fr-FR" sz="1000" dirty="0" err="1">
+                <a:solidFill>
+                  <a:srgbClr val="DCDCAA"/>
+                </a:solidFill>
+                <a:latin typeface="Consolas" panose="020B0609020204030204" pitchFamily="49" charset="0"/>
+              </a:rPr>
               <a:t>echo</a:t>
             </a:r>
             <a:r>
-              <a:rPr lang="fr-FR" altLang="fr-FR" sz="1000">
+              <a:rPr lang="fr-FR" altLang="fr-FR" sz="1000" dirty="0">
                 <a:solidFill>
                   <a:srgbClr val="D4D4D4"/>
                 </a:solidFill>
@@ -29954,16 +30754,34 @@
               <a:t> </a:t>
             </a:r>
             <a:r>
-              <a:rPr lang="fr-FR" altLang="fr-FR" sz="1000">
+              <a:rPr lang="fr-FR" altLang="fr-FR" sz="1000" dirty="0">
                 <a:solidFill>
                   <a:srgbClr val="CE9178"/>
                 </a:solidFill>
                 <a:latin typeface="Consolas" panose="020B0609020204030204" pitchFamily="49" charset="0"/>
               </a:rPr>
-              <a:t>'&lt;script&gt;alert(« L’utilisateur est enregistré, son ID est "+"'</a:t>
-            </a:r>
-            <a:r>
-              <a:rPr lang="fr-FR" altLang="fr-FR" sz="1000">
+              <a:t>'&lt;script&gt;</a:t>
+            </a:r>
+            <a:r>
+              <a:rPr lang="fr-FR" altLang="fr-FR" sz="1000" dirty="0" err="1">
+                <a:solidFill>
+                  <a:srgbClr val="CE9178"/>
+                </a:solidFill>
+                <a:latin typeface="Consolas" panose="020B0609020204030204" pitchFamily="49" charset="0"/>
+              </a:rPr>
+              <a:t>alert</a:t>
+            </a:r>
+            <a:r>
+              <a:rPr lang="fr-FR" altLang="fr-FR" sz="1000" dirty="0">
+                <a:solidFill>
+                  <a:srgbClr val="CE9178"/>
+                </a:solidFill>
+                <a:latin typeface="Consolas" panose="020B0609020204030204" pitchFamily="49" charset="0"/>
+              </a:rPr>
+              <a:t>(« L’utilisateur est enregistré, son ID est "+"'</a:t>
+            </a:r>
+            <a:r>
+              <a:rPr lang="fr-FR" altLang="fr-FR" sz="1000" dirty="0">
                 <a:solidFill>
                   <a:srgbClr val="D4D4D4"/>
                 </a:solidFill>
@@ -29972,16 +30790,25 @@
               <a:t>.</a:t>
             </a:r>
             <a:r>
-              <a:rPr lang="fr-FR" altLang="fr-FR" sz="1000">
+              <a:rPr lang="fr-FR" altLang="fr-FR" sz="1000" dirty="0">
                 <a:solidFill>
                   <a:srgbClr val="9CDCFE"/>
                 </a:solidFill>
                 <a:latin typeface="Consolas" panose="020B0609020204030204" pitchFamily="49" charset="0"/>
               </a:rPr>
-              <a:t>$StudentId</a:t>
-            </a:r>
-            <a:r>
-              <a:rPr lang="fr-FR" altLang="fr-FR" sz="1000">
+              <a:t>$</a:t>
+            </a:r>
+            <a:r>
+              <a:rPr lang="fr-FR" altLang="fr-FR" sz="1000" dirty="0" err="1">
+                <a:solidFill>
+                  <a:srgbClr val="9CDCFE"/>
+                </a:solidFill>
+                <a:latin typeface="Consolas" panose="020B0609020204030204" pitchFamily="49" charset="0"/>
+              </a:rPr>
+              <a:t>StudentId</a:t>
+            </a:r>
+            <a:r>
+              <a:rPr lang="fr-FR" altLang="fr-FR" sz="1000" dirty="0">
                 <a:solidFill>
                   <a:srgbClr val="D4D4D4"/>
                 </a:solidFill>
@@ -29990,16 +30817,16 @@
               <a:t>.</a:t>
             </a:r>
             <a:r>
-              <a:rPr lang="fr-FR" altLang="fr-FR" sz="1000">
+              <a:rPr lang="fr-FR" altLang="fr-FR" sz="1000" dirty="0">
                 <a:solidFill>
                   <a:srgbClr val="CE9178"/>
                 </a:solidFill>
                 <a:latin typeface="Consolas" panose="020B0609020204030204" pitchFamily="49" charset="0"/>
               </a:rPr>
-              <a:t>'")&lt;/script&gt;'</a:t>
-            </a:r>
-            <a:r>
-              <a:rPr lang="fr-FR" altLang="fr-FR" sz="1000">
+              <a:t>'")&lt;/script&gt;’</a:t>
+            </a:r>
+            <a:r>
+              <a:rPr lang="fr-FR" altLang="fr-FR" sz="1000" dirty="0">
                 <a:solidFill>
                   <a:srgbClr val="D4D4D4"/>
                 </a:solidFill>
@@ -30010,27 +30837,36 @@
           </a:p>
           <a:p>
             <a:r>
-              <a:rPr lang="fr-FR" altLang="fr-FR" sz="1000">
-                <a:solidFill>
-                  <a:srgbClr val="D4D4D4"/>
-                </a:solidFill>
-                <a:latin typeface="Consolas" panose="020B0609020204030204" pitchFamily="49" charset="0"/>
-              </a:rPr>
-              <a:t>}</a:t>
-            </a:r>
-          </a:p>
-          <a:p>
-            <a:r>
-              <a:rPr lang="fr-FR" altLang="fr-FR" sz="1000">
+              <a:rPr lang="fr-FR" altLang="fr-FR" sz="1000" dirty="0">
+                <a:solidFill>
+                  <a:srgbClr val="D4D4D4"/>
+                </a:solidFill>
+                <a:latin typeface="Consolas" panose="020B0609020204030204" pitchFamily="49" charset="0"/>
+              </a:rPr>
+              <a:t>		}</a:t>
+            </a:r>
+          </a:p>
+          <a:p>
+            <a:r>
+              <a:rPr lang="fr-FR" altLang="fr-FR" sz="1000" dirty="0">
                 <a:solidFill>
                   <a:srgbClr val="C586C0"/>
                 </a:solidFill>
                 <a:latin typeface="Consolas" panose="020B0609020204030204" pitchFamily="49" charset="0"/>
               </a:rPr>
+              <a:t>		</a:t>
+            </a:r>
+            <a:r>
+              <a:rPr lang="fr-FR" altLang="fr-FR" sz="1000" dirty="0" err="1">
+                <a:solidFill>
+                  <a:srgbClr val="C586C0"/>
+                </a:solidFill>
+                <a:latin typeface="Consolas" panose="020B0609020204030204" pitchFamily="49" charset="0"/>
+              </a:rPr>
               <a:t>else</a:t>
             </a:r>
             <a:r>
-              <a:rPr lang="fr-FR" altLang="fr-FR" sz="1000">
+              <a:rPr lang="fr-FR" altLang="fr-FR" sz="1000" dirty="0">
                 <a:solidFill>
                   <a:srgbClr val="D4D4D4"/>
                 </a:solidFill>
@@ -30041,27 +30877,36 @@
           </a:p>
           <a:p>
             <a:r>
-              <a:rPr lang="fr-FR" altLang="fr-FR" sz="1000">
-                <a:solidFill>
-                  <a:srgbClr val="D4D4D4"/>
-                </a:solidFill>
-                <a:latin typeface="Consolas" panose="020B0609020204030204" pitchFamily="49" charset="0"/>
-              </a:rPr>
-              <a:t>{</a:t>
-            </a:r>
-          </a:p>
-          <a:p>
-            <a:r>
-              <a:rPr lang="fr-FR" altLang="fr-FR" sz="1000">
+              <a:rPr lang="fr-FR" altLang="fr-FR" sz="1000" dirty="0">
+                <a:solidFill>
+                  <a:srgbClr val="D4D4D4"/>
+                </a:solidFill>
+                <a:latin typeface="Consolas" panose="020B0609020204030204" pitchFamily="49" charset="0"/>
+              </a:rPr>
+              <a:t>		{</a:t>
+            </a:r>
+          </a:p>
+          <a:p>
+            <a:r>
+              <a:rPr lang="fr-FR" altLang="fr-FR" sz="1000" dirty="0">
                 <a:solidFill>
                   <a:srgbClr val="DCDCAA"/>
                 </a:solidFill>
                 <a:latin typeface="Consolas" panose="020B0609020204030204" pitchFamily="49" charset="0"/>
               </a:rPr>
+              <a:t>		</a:t>
+            </a:r>
+            <a:r>
+              <a:rPr lang="fr-FR" altLang="fr-FR" sz="1000" dirty="0" err="1">
+                <a:solidFill>
+                  <a:srgbClr val="DCDCAA"/>
+                </a:solidFill>
+                <a:latin typeface="Consolas" panose="020B0609020204030204" pitchFamily="49" charset="0"/>
+              </a:rPr>
               <a:t>echo</a:t>
             </a:r>
             <a:r>
-              <a:rPr lang="fr-FR" altLang="fr-FR" sz="1000">
+              <a:rPr lang="fr-FR" altLang="fr-FR" sz="1000" dirty="0">
                 <a:solidFill>
                   <a:srgbClr val="D4D4D4"/>
                 </a:solidFill>
@@ -30070,16 +30915,34 @@
               <a:t> </a:t>
             </a:r>
             <a:r>
-              <a:rPr lang="fr-FR" altLang="fr-FR" sz="1000">
+              <a:rPr lang="fr-FR" altLang="fr-FR" sz="1000" dirty="0">
                 <a:solidFill>
                   <a:srgbClr val="CE9178"/>
                 </a:solidFill>
                 <a:latin typeface="Consolas" panose="020B0609020204030204" pitchFamily="49" charset="0"/>
               </a:rPr>
-              <a:t>"&lt;script&gt;alert('Quelque chose c’est mal passé, Veuillez réessayer');&lt;/script&gt;"</a:t>
-            </a:r>
-            <a:r>
-              <a:rPr lang="fr-FR" altLang="fr-FR" sz="1000">
+              <a:t>"&lt;script&gt;</a:t>
+            </a:r>
+            <a:r>
+              <a:rPr lang="fr-FR" altLang="fr-FR" sz="1000" dirty="0" err="1">
+                <a:solidFill>
+                  <a:srgbClr val="CE9178"/>
+                </a:solidFill>
+                <a:latin typeface="Consolas" panose="020B0609020204030204" pitchFamily="49" charset="0"/>
+              </a:rPr>
+              <a:t>alert</a:t>
+            </a:r>
+            <a:r>
+              <a:rPr lang="fr-FR" altLang="fr-FR" sz="1000" dirty="0">
+                <a:solidFill>
+                  <a:srgbClr val="CE9178"/>
+                </a:solidFill>
+                <a:latin typeface="Consolas" panose="020B0609020204030204" pitchFamily="49" charset="0"/>
+              </a:rPr>
+              <a:t>('Quelque chose c’est mal passé, Veuillez réessayer');&lt;/script&gt;"</a:t>
+            </a:r>
+            <a:r>
+              <a:rPr lang="fr-FR" altLang="fr-FR" sz="1000" dirty="0">
                 <a:solidFill>
                   <a:srgbClr val="D4D4D4"/>
                 </a:solidFill>
@@ -30090,29 +30953,29 @@
           </a:p>
           <a:p>
             <a:r>
-              <a:rPr lang="fr-FR" altLang="fr-FR" sz="1000">
-                <a:solidFill>
-                  <a:srgbClr val="D4D4D4"/>
-                </a:solidFill>
-                <a:latin typeface="Consolas" panose="020B0609020204030204" pitchFamily="49" charset="0"/>
-              </a:rPr>
-              <a:t>}</a:t>
-            </a:r>
-          </a:p>
-          <a:p>
-            <a:r>
-              <a:rPr lang="fr-FR" altLang="fr-FR" sz="1000">
-                <a:solidFill>
-                  <a:srgbClr val="D4D4D4"/>
-                </a:solidFill>
-                <a:latin typeface="Consolas" panose="020B0609020204030204" pitchFamily="49" charset="0"/>
-              </a:rPr>
-              <a:t>}</a:t>
-            </a:r>
-          </a:p>
-          <a:p>
-            <a:r>
-              <a:rPr lang="fr-FR" altLang="fr-FR" sz="1000">
+              <a:rPr lang="fr-FR" altLang="fr-FR" sz="1000" dirty="0">
+                <a:solidFill>
+                  <a:srgbClr val="D4D4D4"/>
+                </a:solidFill>
+                <a:latin typeface="Consolas" panose="020B0609020204030204" pitchFamily="49" charset="0"/>
+              </a:rPr>
+              <a:t>		}</a:t>
+            </a:r>
+          </a:p>
+          <a:p>
+            <a:r>
+              <a:rPr lang="fr-FR" altLang="fr-FR" sz="1000" dirty="0">
+                <a:solidFill>
+                  <a:srgbClr val="D4D4D4"/>
+                </a:solidFill>
+                <a:latin typeface="Consolas" panose="020B0609020204030204" pitchFamily="49" charset="0"/>
+              </a:rPr>
+              <a:t>	}</a:t>
+            </a:r>
+          </a:p>
+          <a:p>
+            <a:r>
+              <a:rPr lang="fr-FR" altLang="fr-FR" sz="1000" dirty="0">
                 <a:solidFill>
                   <a:srgbClr val="D4D4D4"/>
                 </a:solidFill>
@@ -32562,7 +33425,7 @@
                 <a:cs typeface="Arial"/>
                 <a:sym typeface="Arial"/>
               </a:rPr>
-              <a:t>Mise au norme niveau CNIL.</a:t>
+              <a:t>Mise en  conformité RGPD.</a:t>
             </a:r>
           </a:p>
           <a:p>
@@ -37280,7 +38143,7 @@
                 <a:cs typeface="Arial"/>
                 <a:sym typeface="Arial"/>
               </a:rPr>
-              <a:t>Au cours de la formation, j’ai eu l’occasion de mettre en œuvre un site animé par le CMS WordPress, ayant pour thème les formation du numérique enseigner au GRETA.</a:t>
+              <a:t>Au cours de la formation, j’ai eu l’occasion de mettre en œuvre un site animé par le CMS WordPress, ayant pour thème les formation du numérique enseignées au GRETA.</a:t>
             </a:r>
           </a:p>
           <a:p>
@@ -37764,7 +38627,7 @@
                 <a:cs typeface="Arial"/>
                 <a:sym typeface="Arial"/>
               </a:rPr>
-              <a:t>En conclusion, le type même de la formation, « Blended », était très enrichissante, elle nous a permis de mieux comprendre les autres corps de métiers avec lesquels nous sommes amené à travailler.</a:t>
+              <a:t>En conclusion, le type même de la formation, « Blended », était très enrichissante, elle nous a permis de mieux comprendre les autres corps de métiers avec lesquels nous sommes amenés à travailler.</a:t>
             </a:r>
           </a:p>
           <a:p>
@@ -37868,7 +38731,7 @@
                 <a:cs typeface="Arial"/>
                 <a:sym typeface="Arial"/>
               </a:rPr>
-              <a:t>Le développement étant un milieu dans lequel je m’épanoui pleinement, je pense continuer sur cette alternance.</a:t>
+              <a:t>Le développement étant un milieu dans lequel je m’épanouis pleinement, je pense continuer sur cette alternance.</a:t>
             </a:r>
           </a:p>
           <a:p>
@@ -37911,7 +38774,7 @@
                 <a:cs typeface="Arial"/>
                 <a:sym typeface="Arial"/>
               </a:rPr>
-              <a:t>Et encore merci à toute l’équipe de formateur, ainsi qu’à mon maitre de stage, pour leur enseignement et le savoir qu’ils ont à nous faire nous dépasser.</a:t>
+              <a:t>Et encore merci à toute l’équipe de formateurs, ainsi qu’à mon maitre de stage, pour leur enseignement et la capacité qu’ils ont à nous faire aller toujours plus loin.</a:t>
             </a:r>
           </a:p>
         </p:txBody>
